--- a/IA316_Linkdn.pptx
+++ b/IA316_Linkdn.pptx
@@ -8,10 +8,10 @@
     <p:sldMasterId id="2147483660" r:id="rId4"/>
   </p:sldMasterIdLst>
   <p:notesMasterIdLst>
-    <p:notesMasterId r:id="rId17"/>
+    <p:notesMasterId r:id="rId18"/>
   </p:notesMasterIdLst>
   <p:handoutMasterIdLst>
-    <p:handoutMasterId r:id="rId18"/>
+    <p:handoutMasterId r:id="rId19"/>
   </p:handoutMasterIdLst>
   <p:sldIdLst>
     <p:sldId id="256" r:id="rId5"/>
@@ -25,7 +25,8 @@
     <p:sldId id="318" r:id="rId13"/>
     <p:sldId id="319" r:id="rId14"/>
     <p:sldId id="320" r:id="rId15"/>
-    <p:sldId id="301" r:id="rId16"/>
+    <p:sldId id="321" r:id="rId16"/>
+    <p:sldId id="301" r:id="rId17"/>
   </p:sldIdLst>
   <p:sldSz cx="12192000" cy="6858000"/>
   <p:notesSz cx="6858000" cy="9144000"/>
@@ -241,7 +242,7 @@
           <a:p>
             <a:fld id="{7DAE1779-DBA3-4616-B28F-81738E86173E}" type="datetimeFigureOut">
               <a:rPr lang="fr-FR" smtClean="0"/>
-              <a:t>04/03/2020</a:t>
+              <a:t>05/03/2020</a:t>
             </a:fld>
             <a:endParaRPr lang="fr-FR"/>
           </a:p>
@@ -418,7 +419,7 @@
           <a:p>
             <a:fld id="{3234DB83-9347-4936-967A-7B9433004013}" type="datetimeFigureOut">
               <a:rPr lang="fr-FR" smtClean="0"/>
-              <a:t>04/03/2020</a:t>
+              <a:t>05/03/2020</a:t>
             </a:fld>
             <a:endParaRPr lang="fr-FR"/>
           </a:p>
@@ -2398,7 +2399,7 @@
           <a:p>
             <a:fld id="{F878C1AA-D308-49A5-A1DB-874950B85105}" type="datetimeFigureOut">
               <a:rPr lang="fr-FR" smtClean="0"/>
-              <a:t>04/03/2020</a:t>
+              <a:t>05/03/2020</a:t>
             </a:fld>
             <a:endParaRPr lang="fr-FR"/>
           </a:p>
@@ -2596,7 +2597,7 @@
           <a:p>
             <a:fld id="{F878C1AA-D308-49A5-A1DB-874950B85105}" type="datetimeFigureOut">
               <a:rPr lang="fr-FR" smtClean="0"/>
-              <a:t>04/03/2020</a:t>
+              <a:t>05/03/2020</a:t>
             </a:fld>
             <a:endParaRPr lang="fr-FR"/>
           </a:p>
@@ -2871,7 +2872,7 @@
           <a:p>
             <a:fld id="{F878C1AA-D308-49A5-A1DB-874950B85105}" type="datetimeFigureOut">
               <a:rPr lang="fr-FR" smtClean="0"/>
-              <a:t>04/03/2020</a:t>
+              <a:t>05/03/2020</a:t>
             </a:fld>
             <a:endParaRPr lang="fr-FR"/>
           </a:p>
@@ -3136,7 +3137,7 @@
           <a:p>
             <a:fld id="{F878C1AA-D308-49A5-A1DB-874950B85105}" type="datetimeFigureOut">
               <a:rPr lang="fr-FR" smtClean="0"/>
-              <a:t>04/03/2020</a:t>
+              <a:t>05/03/2020</a:t>
             </a:fld>
             <a:endParaRPr lang="fr-FR"/>
           </a:p>
@@ -3548,7 +3549,7 @@
           <a:p>
             <a:fld id="{F878C1AA-D308-49A5-A1DB-874950B85105}" type="datetimeFigureOut">
               <a:rPr lang="fr-FR" smtClean="0"/>
-              <a:t>04/03/2020</a:t>
+              <a:t>05/03/2020</a:t>
             </a:fld>
             <a:endParaRPr lang="fr-FR"/>
           </a:p>
@@ -3689,7 +3690,7 @@
           <a:p>
             <a:fld id="{F878C1AA-D308-49A5-A1DB-874950B85105}" type="datetimeFigureOut">
               <a:rPr lang="fr-FR" smtClean="0"/>
-              <a:t>04/03/2020</a:t>
+              <a:t>05/03/2020</a:t>
             </a:fld>
             <a:endParaRPr lang="fr-FR"/>
           </a:p>
@@ -3802,7 +3803,7 @@
           <a:p>
             <a:fld id="{F878C1AA-D308-49A5-A1DB-874950B85105}" type="datetimeFigureOut">
               <a:rPr lang="fr-FR" smtClean="0"/>
-              <a:t>04/03/2020</a:t>
+              <a:t>05/03/2020</a:t>
             </a:fld>
             <a:endParaRPr lang="fr-FR"/>
           </a:p>
@@ -4113,7 +4114,7 @@
           <a:p>
             <a:fld id="{F878C1AA-D308-49A5-A1DB-874950B85105}" type="datetimeFigureOut">
               <a:rPr lang="fr-FR" smtClean="0"/>
-              <a:t>04/03/2020</a:t>
+              <a:t>05/03/2020</a:t>
             </a:fld>
             <a:endParaRPr lang="fr-FR"/>
           </a:p>
@@ -4648,7 +4649,7 @@
           <a:p>
             <a:fld id="{F878C1AA-D308-49A5-A1DB-874950B85105}" type="datetimeFigureOut">
               <a:rPr lang="fr-FR" smtClean="0"/>
-              <a:t>04/03/2020</a:t>
+              <a:t>05/03/2020</a:t>
             </a:fld>
             <a:endParaRPr lang="fr-FR"/>
           </a:p>
@@ -4846,7 +4847,7 @@
           <a:p>
             <a:fld id="{F878C1AA-D308-49A5-A1DB-874950B85105}" type="datetimeFigureOut">
               <a:rPr lang="fr-FR" smtClean="0"/>
-              <a:t>04/03/2020</a:t>
+              <a:t>05/03/2020</a:t>
             </a:fld>
             <a:endParaRPr lang="fr-FR"/>
           </a:p>
@@ -5054,7 +5055,7 @@
           <a:p>
             <a:fld id="{F878C1AA-D308-49A5-A1DB-874950B85105}" type="datetimeFigureOut">
               <a:rPr lang="fr-FR" smtClean="0"/>
-              <a:t>04/03/2020</a:t>
+              <a:t>05/03/2020</a:t>
             </a:fld>
             <a:endParaRPr lang="fr-FR"/>
           </a:p>
@@ -13051,7 +13052,7 @@
           <a:p>
             <a:fld id="{F878C1AA-D308-49A5-A1DB-874950B85105}" type="datetimeFigureOut">
               <a:rPr lang="fr-FR" smtClean="0"/>
-              <a:t>04/03/2020</a:t>
+              <a:t>05/03/2020</a:t>
             </a:fld>
             <a:endParaRPr lang="fr-FR"/>
           </a:p>
@@ -15462,7 +15463,7 @@
             </a:r>
             <a:r>
               <a:rPr lang="fr-FR" sz="2000" dirty="0" err="1"/>
-              <a:t>Reggression</a:t>
+              <a:t>Regression</a:t>
             </a:r>
             <a:r>
               <a:rPr lang="fr-FR" sz="2000" dirty="0"/>
@@ -16122,6 +16123,351 @@
 </file>
 
 <file path=ppt/slides/slide12.xml><?xml version="1.0" encoding="utf-8"?>
+<p:sld xmlns:a="http://schemas.openxmlformats.org/drawingml/2006/main" xmlns:r="http://schemas.openxmlformats.org/officeDocument/2006/relationships" xmlns:p="http://schemas.openxmlformats.org/presentationml/2006/main">
+  <p:cSld>
+    <p:spTree>
+      <p:nvGrpSpPr>
+        <p:cNvPr id="1" name=""/>
+        <p:cNvGrpSpPr/>
+        <p:nvPr/>
+      </p:nvGrpSpPr>
+      <p:grpSpPr>
+        <a:xfrm>
+          <a:off x="0" y="0"/>
+          <a:ext cx="0" cy="0"/>
+          <a:chOff x="0" y="0"/>
+          <a:chExt cx="0" cy="0"/>
+        </a:xfrm>
+      </p:grpSpPr>
+      <p:sp>
+        <p:nvSpPr>
+          <p:cNvPr id="2" name="Titre 1">
+            <a:extLst>
+              <a:ext uri="{FF2B5EF4-FFF2-40B4-BE49-F238E27FC236}">
+                <a16:creationId xmlns:a16="http://schemas.microsoft.com/office/drawing/2014/main" id="{0261C79E-0E70-4ABD-8147-63302ECA1783}"/>
+              </a:ext>
+            </a:extLst>
+          </p:cNvPr>
+          <p:cNvSpPr>
+            <a:spLocks noGrp="1"/>
+          </p:cNvSpPr>
+          <p:nvPr>
+            <p:ph type="title"/>
+          </p:nvPr>
+        </p:nvSpPr>
+        <p:spPr/>
+        <p:txBody>
+          <a:bodyPr/>
+          <a:lstStyle/>
+          <a:p>
+            <a:pPr algn="ctr"/>
+            <a:r>
+              <a:rPr lang="fr-FR" dirty="0"/>
+              <a:t>Distribution de </a:t>
+            </a:r>
+            <a:r>
+              <a:rPr lang="fr-FR" dirty="0" err="1"/>
+              <a:t>rewards</a:t>
+            </a:r>
+            <a:r>
+              <a:rPr lang="fr-FR" dirty="0"/>
+              <a:t> environnement évolutif</a:t>
+            </a:r>
+          </a:p>
+        </p:txBody>
+      </p:sp>
+      <p:sp>
+        <p:nvSpPr>
+          <p:cNvPr id="4" name="Espace réservé de la date 3">
+            <a:extLst>
+              <a:ext uri="{FF2B5EF4-FFF2-40B4-BE49-F238E27FC236}">
+                <a16:creationId xmlns:a16="http://schemas.microsoft.com/office/drawing/2014/main" id="{B384A70F-95C5-423F-B10D-10C9D25F0AAA}"/>
+              </a:ext>
+            </a:extLst>
+          </p:cNvPr>
+          <p:cNvSpPr>
+            <a:spLocks noGrp="1"/>
+          </p:cNvSpPr>
+          <p:nvPr>
+            <p:ph type="dt" sz="half" idx="10"/>
+          </p:nvPr>
+        </p:nvSpPr>
+        <p:spPr/>
+        <p:txBody>
+          <a:bodyPr/>
+          <a:lstStyle/>
+          <a:p>
+            <a:r>
+              <a:rPr lang="fr-FR"/>
+              <a:t>25/02/2020</a:t>
+            </a:r>
+            <a:endParaRPr lang="fr-FR" dirty="0"/>
+          </a:p>
+        </p:txBody>
+      </p:sp>
+      <p:sp>
+        <p:nvSpPr>
+          <p:cNvPr id="5" name="Espace réservé du pied de page 4">
+            <a:extLst>
+              <a:ext uri="{FF2B5EF4-FFF2-40B4-BE49-F238E27FC236}">
+                <a16:creationId xmlns:a16="http://schemas.microsoft.com/office/drawing/2014/main" id="{0A43E64B-142A-4AF8-8211-20B4976553F0}"/>
+              </a:ext>
+            </a:extLst>
+          </p:cNvPr>
+          <p:cNvSpPr>
+            <a:spLocks noGrp="1"/>
+          </p:cNvSpPr>
+          <p:nvPr>
+            <p:ph type="ftr" sz="quarter" idx="11"/>
+          </p:nvPr>
+        </p:nvSpPr>
+        <p:spPr/>
+        <p:txBody>
+          <a:bodyPr/>
+          <a:lstStyle/>
+          <a:p>
+            <a:r>
+              <a:rPr lang="fr-FR"/>
+              <a:t>Alexandre Dazat - Julien Denize</a:t>
+            </a:r>
+            <a:endParaRPr lang="fr-FR" dirty="0"/>
+          </a:p>
+        </p:txBody>
+      </p:sp>
+      <p:sp>
+        <p:nvSpPr>
+          <p:cNvPr id="6" name="Espace réservé du numéro de diapositive 5">
+            <a:extLst>
+              <a:ext uri="{FF2B5EF4-FFF2-40B4-BE49-F238E27FC236}">
+                <a16:creationId xmlns:a16="http://schemas.microsoft.com/office/drawing/2014/main" id="{4237735C-80C2-4318-B387-374AB50675E5}"/>
+              </a:ext>
+            </a:extLst>
+          </p:cNvPr>
+          <p:cNvSpPr>
+            <a:spLocks noGrp="1"/>
+          </p:cNvSpPr>
+          <p:nvPr>
+            <p:ph type="sldNum" sz="quarter" idx="12"/>
+          </p:nvPr>
+        </p:nvSpPr>
+        <p:spPr/>
+        <p:txBody>
+          <a:bodyPr/>
+          <a:lstStyle/>
+          <a:p>
+            <a:fld id="{03CA54CA-1F78-4D6A-B39C-39344603B448}" type="slidenum">
+              <a:rPr lang="fr-FR" smtClean="0"/>
+              <a:pPr/>
+              <a:t>12</a:t>
+            </a:fld>
+            <a:endParaRPr lang="fr-FR" dirty="0"/>
+          </a:p>
+        </p:txBody>
+      </p:sp>
+      <p:pic>
+        <p:nvPicPr>
+          <p:cNvPr id="1026" name="Picture 2">
+            <a:extLst>
+              <a:ext uri="{FF2B5EF4-FFF2-40B4-BE49-F238E27FC236}">
+                <a16:creationId xmlns:a16="http://schemas.microsoft.com/office/drawing/2014/main" id="{0DA58F5E-5932-44EC-8297-FEDB67D69194}"/>
+              </a:ext>
+            </a:extLst>
+          </p:cNvPr>
+          <p:cNvPicPr>
+            <a:picLocks noGrp="1" noChangeAspect="1" noChangeArrowheads="1"/>
+          </p:cNvPicPr>
+          <p:nvPr>
+            <p:ph idx="1"/>
+          </p:nvPr>
+        </p:nvPicPr>
+        <p:blipFill>
+          <a:blip r:embed="rId2">
+            <a:extLst>
+              <a:ext uri="{28A0092B-C50C-407E-A947-70E740481C1C}">
+                <a14:useLocalDpi xmlns:a14="http://schemas.microsoft.com/office/drawing/2010/main" val="0"/>
+              </a:ext>
+            </a:extLst>
+          </a:blip>
+          <a:srcRect/>
+          <a:stretch>
+            <a:fillRect/>
+          </a:stretch>
+        </p:blipFill>
+        <p:spPr bwMode="auto">
+          <a:xfrm>
+            <a:off x="838204" y="1797965"/>
+            <a:ext cx="4129843" cy="2229137"/>
+          </a:xfrm>
+          <a:prstGeom prst="rect">
+            <a:avLst/>
+          </a:prstGeom>
+          <a:noFill/>
+          <a:extLst>
+            <a:ext uri="{909E8E84-426E-40DD-AFC4-6F175D3DCCD1}">
+              <a14:hiddenFill xmlns:a14="http://schemas.microsoft.com/office/drawing/2010/main">
+                <a:solidFill>
+                  <a:srgbClr val="FFFFFF"/>
+                </a:solidFill>
+              </a14:hiddenFill>
+            </a:ext>
+          </a:extLst>
+        </p:spPr>
+      </p:pic>
+      <p:pic>
+        <p:nvPicPr>
+          <p:cNvPr id="1028" name="Picture 4">
+            <a:extLst>
+              <a:ext uri="{FF2B5EF4-FFF2-40B4-BE49-F238E27FC236}">
+                <a16:creationId xmlns:a16="http://schemas.microsoft.com/office/drawing/2014/main" id="{3FF5568B-82B5-4653-8835-0FA6CF886280}"/>
+              </a:ext>
+            </a:extLst>
+          </p:cNvPr>
+          <p:cNvPicPr>
+            <a:picLocks noChangeAspect="1" noChangeArrowheads="1"/>
+          </p:cNvPicPr>
+          <p:nvPr/>
+        </p:nvPicPr>
+        <p:blipFill>
+          <a:blip r:embed="rId3">
+            <a:extLst>
+              <a:ext uri="{28A0092B-C50C-407E-A947-70E740481C1C}">
+                <a14:useLocalDpi xmlns:a14="http://schemas.microsoft.com/office/drawing/2010/main" val="0"/>
+              </a:ext>
+            </a:extLst>
+          </a:blip>
+          <a:srcRect/>
+          <a:stretch>
+            <a:fillRect/>
+          </a:stretch>
+        </p:blipFill>
+        <p:spPr bwMode="auto">
+          <a:xfrm>
+            <a:off x="838203" y="4111737"/>
+            <a:ext cx="4129843" cy="2252000"/>
+          </a:xfrm>
+          <a:prstGeom prst="rect">
+            <a:avLst/>
+          </a:prstGeom>
+          <a:noFill/>
+          <a:extLst>
+            <a:ext uri="{909E8E84-426E-40DD-AFC4-6F175D3DCCD1}">
+              <a14:hiddenFill xmlns:a14="http://schemas.microsoft.com/office/drawing/2010/main">
+                <a:solidFill>
+                  <a:srgbClr val="FFFFFF"/>
+                </a:solidFill>
+              </a14:hiddenFill>
+            </a:ext>
+          </a:extLst>
+        </p:spPr>
+      </p:pic>
+      <p:pic>
+        <p:nvPicPr>
+          <p:cNvPr id="1030" name="Picture 6">
+            <a:extLst>
+              <a:ext uri="{FF2B5EF4-FFF2-40B4-BE49-F238E27FC236}">
+                <a16:creationId xmlns:a16="http://schemas.microsoft.com/office/drawing/2014/main" id="{563D490B-C8DD-46CE-BA1B-5D05426C4F73}"/>
+              </a:ext>
+            </a:extLst>
+          </p:cNvPr>
+          <p:cNvPicPr>
+            <a:picLocks noChangeAspect="1" noChangeArrowheads="1"/>
+          </p:cNvPicPr>
+          <p:nvPr/>
+        </p:nvPicPr>
+        <p:blipFill>
+          <a:blip r:embed="rId4">
+            <a:extLst>
+              <a:ext uri="{28A0092B-C50C-407E-A947-70E740481C1C}">
+                <a14:useLocalDpi xmlns:a14="http://schemas.microsoft.com/office/drawing/2010/main" val="0"/>
+              </a:ext>
+            </a:extLst>
+          </a:blip>
+          <a:srcRect/>
+          <a:stretch>
+            <a:fillRect/>
+          </a:stretch>
+        </p:blipFill>
+        <p:spPr bwMode="auto">
+          <a:xfrm>
+            <a:off x="7223955" y="4111515"/>
+            <a:ext cx="4129845" cy="2252001"/>
+          </a:xfrm>
+          <a:prstGeom prst="rect">
+            <a:avLst/>
+          </a:prstGeom>
+          <a:noFill/>
+          <a:extLst>
+            <a:ext uri="{909E8E84-426E-40DD-AFC4-6F175D3DCCD1}">
+              <a14:hiddenFill xmlns:a14="http://schemas.microsoft.com/office/drawing/2010/main">
+                <a:solidFill>
+                  <a:srgbClr val="FFFFFF"/>
+                </a:solidFill>
+              </a14:hiddenFill>
+            </a:ext>
+          </a:extLst>
+        </p:spPr>
+      </p:pic>
+      <p:pic>
+        <p:nvPicPr>
+          <p:cNvPr id="1032" name="Picture 8">
+            <a:extLst>
+              <a:ext uri="{FF2B5EF4-FFF2-40B4-BE49-F238E27FC236}">
+                <a16:creationId xmlns:a16="http://schemas.microsoft.com/office/drawing/2014/main" id="{459DA363-0031-4089-A8A2-2800076394F2}"/>
+              </a:ext>
+            </a:extLst>
+          </p:cNvPr>
+          <p:cNvPicPr>
+            <a:picLocks noChangeAspect="1" noChangeArrowheads="1"/>
+          </p:cNvPicPr>
+          <p:nvPr/>
+        </p:nvPicPr>
+        <p:blipFill>
+          <a:blip r:embed="rId5">
+            <a:extLst>
+              <a:ext uri="{28A0092B-C50C-407E-A947-70E740481C1C}">
+                <a14:useLocalDpi xmlns:a14="http://schemas.microsoft.com/office/drawing/2010/main" val="0"/>
+              </a:ext>
+            </a:extLst>
+          </a:blip>
+          <a:srcRect/>
+          <a:stretch>
+            <a:fillRect/>
+          </a:stretch>
+        </p:blipFill>
+        <p:spPr bwMode="auto">
+          <a:xfrm>
+            <a:off x="7223954" y="1775101"/>
+            <a:ext cx="4129845" cy="2252001"/>
+          </a:xfrm>
+          <a:prstGeom prst="rect">
+            <a:avLst/>
+          </a:prstGeom>
+          <a:noFill/>
+          <a:extLst>
+            <a:ext uri="{909E8E84-426E-40DD-AFC4-6F175D3DCCD1}">
+              <a14:hiddenFill xmlns:a14="http://schemas.microsoft.com/office/drawing/2010/main">
+                <a:solidFill>
+                  <a:srgbClr val="FFFFFF"/>
+                </a:solidFill>
+              </a14:hiddenFill>
+            </a:ext>
+          </a:extLst>
+        </p:spPr>
+      </p:pic>
+    </p:spTree>
+    <p:extLst>
+      <p:ext uri="{BB962C8B-B14F-4D97-AF65-F5344CB8AC3E}">
+        <p14:creationId xmlns:p14="http://schemas.microsoft.com/office/powerpoint/2010/main" val="4116796814"/>
+      </p:ext>
+    </p:extLst>
+  </p:cSld>
+  <p:clrMapOvr>
+    <a:masterClrMapping/>
+  </p:clrMapOvr>
+</p:sld>
+</file>
+
+<file path=ppt/slides/slide13.xml><?xml version="1.0" encoding="utf-8"?>
 <p:sld xmlns:a="http://schemas.openxmlformats.org/drawingml/2006/main" xmlns:r="http://schemas.openxmlformats.org/officeDocument/2006/relationships" xmlns:p="http://schemas.openxmlformats.org/presentationml/2006/main">
   <p:cSld>
     <p:bg>
@@ -16800,7 +17146,7 @@
           <a:p>
             <a:fld id="{03CA54CA-1F78-4D6A-B39C-39344603B448}" type="slidenum">
               <a:rPr lang="fr-FR" smtClean="0"/>
-              <a:t>12</a:t>
+              <a:t>13</a:t>
             </a:fld>
             <a:endParaRPr lang="fr-FR"/>
           </a:p>
@@ -17136,7 +17482,14 @@
             <a:pPr algn="ctr"/>
             <a:r>
               <a:rPr lang="fr-FR" dirty="0"/>
-              <a:t>Recherche d’offre basée sur le </a:t>
+              <a:t>Recherche d’offre basée </a:t>
+            </a:r>
+          </a:p>
+          <a:p>
+            <a:pPr algn="ctr"/>
+            <a:r>
+              <a:rPr lang="fr-FR" dirty="0"/>
+              <a:t>sur le </a:t>
             </a:r>
             <a:r>
               <a:rPr lang="fr-FR" b="1" dirty="0"/>
@@ -17294,7 +17647,14 @@
             </a:r>
             <a:r>
               <a:rPr lang="fr-FR" dirty="0"/>
-              <a:t> sur une offre et </a:t>
+              <a:t> sur une offre </a:t>
+            </a:r>
+          </a:p>
+          <a:p>
+            <a:pPr algn="ctr"/>
+            <a:r>
+              <a:rPr lang="fr-FR" dirty="0"/>
+              <a:t>et </a:t>
             </a:r>
             <a:r>
               <a:rPr lang="fr-FR" b="1" dirty="0"/>
@@ -17554,7 +17914,7 @@
             <p:spPr>
               <a:xfrm>
                 <a:off x="6892697" y="5004977"/>
-                <a:ext cx="3774623" cy="891719"/>
+                <a:ext cx="3545073" cy="891719"/>
               </a:xfrm>
               <a:prstGeom prst="rect">
                 <a:avLst/>
@@ -17567,6 +17927,7 @@
               </a:bodyPr>
               <a:lstStyle/>
               <a:p>
+                <a:pPr/>
                 <a14:m>
                   <m:oMathPara xmlns:m="http://schemas.openxmlformats.org/officeDocument/2006/math">
                     <m:oMathParaPr>
@@ -17627,7 +17988,13 @@
                                       <a:rPr lang="fr-FR" b="0" i="1" smtClean="0">
                                         <a:latin typeface="Cambria Math" panose="02040503050406030204" pitchFamily="18" charset="0"/>
                                       </a:rPr>
-                                      <m:t>11</m:t>
+                                      <m:t>1</m:t>
+                                    </m:r>
+                                    <m:r>
+                                      <a:rPr lang="fr-FR" b="0" i="1" smtClean="0">
+                                        <a:latin typeface="Cambria Math" panose="02040503050406030204" pitchFamily="18" charset="0"/>
+                                      </a:rPr>
+                                      <m:t>1</m:t>
                                     </m:r>
                                   </m:sub>
                                 </m:sSub>
@@ -17673,26 +18040,39 @@
                                       </a:rPr>
                                       <m:t>1,</m:t>
                                     </m:r>
-                                    <m:r>
-                                      <a:rPr lang="fr-FR" b="0" i="1" smtClean="0">
-                                        <a:latin typeface="Cambria Math" panose="02040503050406030204" pitchFamily="18" charset="0"/>
-                                      </a:rPr>
-                                      <m:t>𝑛</m:t>
-                                    </m:r>
-                                    <m:r>
-                                      <a:rPr lang="fr-FR" b="0" i="1" smtClean="0">
-                                        <a:latin typeface="Cambria Math" panose="02040503050406030204" pitchFamily="18" charset="0"/>
-                                      </a:rPr>
-                                      <m:t>_</m:t>
-                                    </m:r>
-                                    <m:r>
-                                      <a:rPr lang="fr-FR" b="0" i="1" smtClean="0">
-                                        <a:latin typeface="Cambria Math" panose="02040503050406030204" pitchFamily="18" charset="0"/>
-                                      </a:rPr>
-                                      <m:t>𝑐𝑜𝑚𝑝𝑎𝑛𝑦</m:t>
-                                    </m:r>
+                                    <m:sSub>
+                                      <m:sSubPr>
+                                        <m:ctrlPr>
+                                          <a:rPr lang="fr-FR" b="0" i="1" smtClean="0">
+                                            <a:latin typeface="Cambria Math" panose="02040503050406030204" pitchFamily="18" charset="0"/>
+                                          </a:rPr>
+                                        </m:ctrlPr>
+                                      </m:sSubPr>
+                                      <m:e>
+                                        <m:r>
+                                          <a:rPr lang="fr-FR" b="0" i="1" smtClean="0">
+                                            <a:latin typeface="Cambria Math" panose="02040503050406030204" pitchFamily="18" charset="0"/>
+                                          </a:rPr>
+                                          <m:t>𝑛</m:t>
+                                        </m:r>
+                                      </m:e>
+                                      <m:sub>
+                                        <m:r>
+                                          <a:rPr lang="fr-FR" b="0" i="1" smtClean="0">
+                                            <a:latin typeface="Cambria Math" panose="02040503050406030204" pitchFamily="18" charset="0"/>
+                                          </a:rPr>
+                                          <m:t>𝑐𝑜𝑚𝑝𝑎𝑛𝑦</m:t>
+                                        </m:r>
+                                      </m:sub>
+                                    </m:sSub>
                                   </m:sub>
                                 </m:sSub>
+                                <m:r>
+                                  <a:rPr lang="fr-FR" b="0" i="1" smtClean="0">
+                                    <a:latin typeface="Cambria Math" panose="02040503050406030204" pitchFamily="18" charset="0"/>
+                                  </a:rPr>
+                                  <m:t> </m:t>
+                                </m:r>
                               </m:e>
                             </m:mr>
                             <m:mr>
@@ -17740,24 +18120,31 @@
                                     </m:r>
                                   </m:e>
                                   <m:sub>
-                                    <m:r>
-                                      <a:rPr lang="fr-FR" b="0" i="1" smtClean="0">
-                                        <a:latin typeface="Cambria Math" panose="02040503050406030204" pitchFamily="18" charset="0"/>
-                                      </a:rPr>
-                                      <m:t>𝑛</m:t>
-                                    </m:r>
-                                    <m:r>
-                                      <a:rPr lang="fr-FR" b="0" i="1" smtClean="0">
-                                        <a:latin typeface="Cambria Math" panose="02040503050406030204" pitchFamily="18" charset="0"/>
-                                      </a:rPr>
-                                      <m:t>,</m:t>
-                                    </m:r>
-                                    <m:r>
-                                      <a:rPr lang="fr-FR" b="0" i="1" smtClean="0">
-                                        <a:latin typeface="Cambria Math" panose="02040503050406030204" pitchFamily="18" charset="0"/>
-                                      </a:rPr>
-                                      <m:t>𝑠𝑐h𝑜𝑜𝑙𝑠</m:t>
-                                    </m:r>
+                                    <m:sSub>
+                                      <m:sSubPr>
+                                        <m:ctrlPr>
+                                          <a:rPr lang="fr-FR" b="0" i="1" smtClean="0">
+                                            <a:latin typeface="Cambria Math" panose="02040503050406030204" pitchFamily="18" charset="0"/>
+                                          </a:rPr>
+                                        </m:ctrlPr>
+                                      </m:sSubPr>
+                                      <m:e>
+                                        <m:r>
+                                          <a:rPr lang="fr-FR" b="0" i="1" smtClean="0">
+                                            <a:latin typeface="Cambria Math" panose="02040503050406030204" pitchFamily="18" charset="0"/>
+                                          </a:rPr>
+                                          <m:t>𝑛</m:t>
+                                        </m:r>
+                                      </m:e>
+                                      <m:sub>
+                                        <m:r>
+                                          <a:rPr lang="fr-FR" b="0" i="1" smtClean="0">
+                                            <a:latin typeface="Cambria Math" panose="02040503050406030204" pitchFamily="18" charset="0"/>
+                                          </a:rPr>
+                                          <m:t>𝑠𝑐h𝑜𝑜𝑙𝑠</m:t>
+                                        </m:r>
+                                      </m:sub>
+                                    </m:sSub>
                                     <m:r>
                                       <a:rPr lang="fr-FR" b="0" i="1" smtClean="0">
                                         <a:latin typeface="Cambria Math" panose="02040503050406030204" pitchFamily="18" charset="0"/>
@@ -17824,24 +18211,31 @@
                                       </a:rPr>
                                       <m:t>,</m:t>
                                     </m:r>
-                                    <m:r>
-                                      <a:rPr lang="fr-FR" i="1">
-                                        <a:latin typeface="Cambria Math" panose="02040503050406030204" pitchFamily="18" charset="0"/>
-                                      </a:rPr>
-                                      <m:t>𝑛</m:t>
-                                    </m:r>
-                                    <m:r>
-                                      <a:rPr lang="fr-FR" i="1">
-                                        <a:latin typeface="Cambria Math" panose="02040503050406030204" pitchFamily="18" charset="0"/>
-                                      </a:rPr>
-                                      <m:t>,</m:t>
-                                    </m:r>
-                                    <m:r>
-                                      <a:rPr lang="fr-FR" i="1">
-                                        <a:latin typeface="Cambria Math" panose="02040503050406030204" pitchFamily="18" charset="0"/>
-                                      </a:rPr>
-                                      <m:t>𝑠𝑐h𝑜𝑜𝑙𝑠</m:t>
-                                    </m:r>
+                                    <m:sSub>
+                                      <m:sSubPr>
+                                        <m:ctrlPr>
+                                          <a:rPr lang="fr-FR" b="0" i="1" smtClean="0">
+                                            <a:latin typeface="Cambria Math" panose="02040503050406030204" pitchFamily="18" charset="0"/>
+                                          </a:rPr>
+                                        </m:ctrlPr>
+                                      </m:sSubPr>
+                                      <m:e>
+                                        <m:r>
+                                          <a:rPr lang="fr-FR" i="1">
+                                            <a:latin typeface="Cambria Math" panose="02040503050406030204" pitchFamily="18" charset="0"/>
+                                          </a:rPr>
+                                          <m:t>𝑛</m:t>
+                                        </m:r>
+                                      </m:e>
+                                      <m:sub>
+                                        <m:r>
+                                          <a:rPr lang="fr-FR" i="1">
+                                            <a:latin typeface="Cambria Math" panose="02040503050406030204" pitchFamily="18" charset="0"/>
+                                          </a:rPr>
+                                          <m:t>𝑠𝑐h𝑜𝑜𝑙𝑠</m:t>
+                                        </m:r>
+                                      </m:sub>
+                                    </m:sSub>
                                   </m:sub>
                                 </m:sSub>
                               </m:e>
@@ -17875,7 +18269,7 @@
             <p:spPr>
               <a:xfrm>
                 <a:off x="6892697" y="5004977"/>
-                <a:ext cx="3774623" cy="891719"/>
+                <a:ext cx="3545073" cy="891719"/>
               </a:xfrm>
               <a:prstGeom prst="rect">
                 <a:avLst/>
@@ -17902,8 +18296,8 @@
           </p:sp>
         </mc:Fallback>
       </mc:AlternateContent>
-      <mc:AlternateContent xmlns:mc="http://schemas.openxmlformats.org/markup-compatibility/2006">
-        <mc:Choice xmlns:a14="http://schemas.microsoft.com/office/drawing/2010/main" Requires="a14">
+      <mc:AlternateContent xmlns:mc="http://schemas.openxmlformats.org/markup-compatibility/2006" xmlns:a14="http://schemas.microsoft.com/office/drawing/2010/main">
+        <mc:Choice Requires="a14">
           <p:sp>
             <p:nvSpPr>
               <p:cNvPr id="16" name="Rectangle 15">
@@ -17931,6 +18325,7 @@
               </a:bodyPr>
               <a:lstStyle/>
               <a:p>
+                <a:pPr/>
                 <a14:m>
                   <m:oMathPara xmlns:m="http://schemas.openxmlformats.org/officeDocument/2006/math">
                     <m:oMathParaPr>
@@ -17951,7 +18346,7 @@
             </p:txBody>
           </p:sp>
         </mc:Choice>
-        <mc:Fallback>
+        <mc:Fallback xmlns="">
           <p:sp>
             <p:nvSpPr>
               <p:cNvPr id="16" name="Rectangle 15">
@@ -17996,8 +18391,8 @@
           </p:sp>
         </mc:Fallback>
       </mc:AlternateContent>
-      <mc:AlternateContent xmlns:mc="http://schemas.openxmlformats.org/markup-compatibility/2006">
-        <mc:Choice xmlns:a14="http://schemas.microsoft.com/office/drawing/2010/main" Requires="a14">
+      <mc:AlternateContent xmlns:mc="http://schemas.openxmlformats.org/markup-compatibility/2006" xmlns:a14="http://schemas.microsoft.com/office/drawing/2010/main">
+        <mc:Choice Requires="a14">
           <p:sp>
             <p:nvSpPr>
               <p:cNvPr id="17" name="Rectangle 16">
@@ -18025,6 +18420,7 @@
               </a:bodyPr>
               <a:lstStyle/>
               <a:p>
+                <a:pPr/>
                 <a14:m>
                   <m:oMathPara xmlns:m="http://schemas.openxmlformats.org/officeDocument/2006/math">
                     <m:oMathParaPr>
@@ -18045,7 +18441,7 @@
             </p:txBody>
           </p:sp>
         </mc:Choice>
-        <mc:Fallback>
+        <mc:Fallback xmlns="">
           <p:sp>
             <p:nvSpPr>
               <p:cNvPr id="17" name="Rectangle 16">
@@ -18323,7 +18719,7 @@
             <p:spPr>
               <a:xfrm>
                 <a:off x="675801" y="129359"/>
-                <a:ext cx="5078054" cy="7525458"/>
+                <a:ext cx="5078054" cy="7666842"/>
               </a:xfrm>
               <a:prstGeom prst="rect">
                 <a:avLst/>
@@ -18561,7 +18957,7 @@
                       <a:rPr lang="fr-FR" b="0" i="1" smtClean="0">
                         <a:latin typeface="Cambria Math" panose="02040503050406030204" pitchFamily="18" charset="0"/>
                       </a:rPr>
-                      <m:t>=0.1</m:t>
+                      <m:t>=0.05</m:t>
                     </m:r>
                   </m:oMath>
                 </a14:m>
@@ -18924,14 +19320,7 @@
                                   <a:latin typeface="Cambria Math" panose="02040503050406030204" pitchFamily="18" charset="0"/>
                                   <a:ea typeface="Cambria Math" panose="02040503050406030204" pitchFamily="18" charset="0"/>
                                 </a:rPr>
-                                <m:t>(</m:t>
-                              </m:r>
-                              <m:r>
-                                <a:rPr lang="fr-FR" i="1">
-                                  <a:latin typeface="Cambria Math" panose="02040503050406030204" pitchFamily="18" charset="0"/>
-                                  <a:ea typeface="Cambria Math" panose="02040503050406030204" pitchFamily="18" charset="0"/>
-                                </a:rPr>
-                                <m:t>−</m:t>
+                                <m:t>(−</m:t>
                               </m:r>
                               <m:r>
                                 <a:rPr lang="fr-FR" i="1">
@@ -19076,7 +19465,7 @@
             <p:spPr>
               <a:xfrm>
                 <a:off x="675801" y="129359"/>
-                <a:ext cx="5078054" cy="7525458"/>
+                <a:ext cx="5078054" cy="7666842"/>
               </a:xfrm>
               <a:prstGeom prst="rect">
                 <a:avLst/>
@@ -19346,7 +19735,14 @@
                           <a:latin typeface="Cambria Math" panose="02040503050406030204" pitchFamily="18" charset="0"/>
                           <a:ea typeface="Cambria Math" panose="02040503050406030204" pitchFamily="18" charset="0"/>
                         </a:rPr>
-                        <m:t>[23,60]</m:t>
+                        <m:t>[20,60</m:t>
+                      </m:r>
+                      <m:r>
+                        <a:rPr lang="fr-FR" i="1" dirty="0">
+                          <a:latin typeface="Cambria Math" panose="02040503050406030204" pitchFamily="18" charset="0"/>
+                          <a:ea typeface="Cambria Math" panose="02040503050406030204" pitchFamily="18" charset="0"/>
+                        </a:rPr>
+                        <m:t>]</m:t>
                       </m:r>
                     </m:oMath>
                   </m:oMathPara>
@@ -19383,7 +19779,7 @@
                       <a:rPr lang="fr-FR" i="1">
                         <a:latin typeface="Cambria Math" panose="02040503050406030204" pitchFamily="18" charset="0"/>
                       </a:rPr>
-                      <m:t>=0.1</m:t>
+                      <m:t>=0.05</m:t>
                     </m:r>
                   </m:oMath>
                 </a14:m>
@@ -19672,7 +20068,15 @@
                 <a:pPr algn="ctr"/>
                 <a:r>
                   <a:rPr lang="fr-FR" dirty="0"/>
-                  <a:t>La distribution finale suit une loi exponentielle de paramètre </a:t>
+                  <a:t>La </a:t>
+                </a:r>
+                <a:r>
+                  <a:rPr lang="fr-FR" b="1" dirty="0"/>
+                  <a:t>distribution finale </a:t>
+                </a:r>
+                <a:r>
+                  <a:rPr lang="fr-FR" dirty="0"/>
+                  <a:t>suit une loi exponentielle de paramètre </a:t>
                 </a:r>
                 <a14:m>
                   <m:oMath xmlns:m="http://schemas.openxmlformats.org/officeDocument/2006/math">
@@ -20094,7 +20498,7 @@
               <a:blipFill>
                 <a:blip r:embed="rId3"/>
                 <a:stretch>
-                  <a:fillRect l="-18727" t="-423" r="-13085"/>
+                  <a:fillRect t="-423" r="-31693"/>
                 </a:stretch>
               </a:blipFill>
             </p:spPr>
@@ -20607,6 +21011,7 @@
               </a:bodyPr>
               <a:lstStyle/>
               <a:p>
+                <a:pPr/>
                 <a14:m>
                   <m:oMathPara xmlns:m="http://schemas.openxmlformats.org/officeDocument/2006/math">
                     <m:oMathParaPr>
@@ -20699,16 +21104,16 @@
                         <m:t>∙</m:t>
                       </m:r>
                       <m:r>
-                        <a:rPr lang="fr-FR" sz="1400" i="1">
+                        <a:rPr lang="fr-FR" sz="1400" i="1" smtClean="0">
                           <a:latin typeface="Cambria Math" panose="02040503050406030204" pitchFamily="18" charset="0"/>
                         </a:rPr>
-                        <m:t>𝑠𝑖𝑚𝑖𝑙𝑎𝑟𝑖𝑡</m:t>
+                        <m:t>𝑚</m:t>
                       </m:r>
                       <m:r>
                         <a:rPr lang="fr-FR" sz="1400" b="0" i="1" smtClean="0">
                           <a:latin typeface="Cambria Math" panose="02040503050406030204" pitchFamily="18" charset="0"/>
                         </a:rPr>
-                        <m:t>𝑦</m:t>
+                        <m:t>𝑎𝑡𝑐h</m:t>
                       </m:r>
                       <m:r>
                         <a:rPr lang="fr-FR" sz="1400" b="0" i="1" smtClean="0">
@@ -20843,8 +21248,8 @@
           </p:sp>
         </mc:Fallback>
       </mc:AlternateContent>
-      <mc:AlternateContent xmlns:mc="http://schemas.openxmlformats.org/markup-compatibility/2006">
-        <mc:Choice xmlns:a14="http://schemas.microsoft.com/office/drawing/2010/main" Requires="a14">
+      <mc:AlternateContent xmlns:mc="http://schemas.openxmlformats.org/markup-compatibility/2006" xmlns:a14="http://schemas.microsoft.com/office/drawing/2010/main">
+        <mc:Choice Requires="a14">
           <p:sp>
             <p:nvSpPr>
               <p:cNvPr id="14" name="ZoneTexte 13">
@@ -20873,6 +21278,7 @@
               </a:bodyPr>
               <a:lstStyle/>
               <a:p>
+                <a:pPr/>
                 <a14:m>
                   <m:oMathPara xmlns:m="http://schemas.openxmlformats.org/officeDocument/2006/math">
                     <m:oMathParaPr>
@@ -20968,7 +21374,7 @@
             </p:txBody>
           </p:sp>
         </mc:Choice>
-        <mc:Fallback>
+        <mc:Fallback xmlns="">
           <p:sp>
             <p:nvSpPr>
               <p:cNvPr id="14" name="ZoneTexte 13">
@@ -21030,7 +21436,7 @@
             <p:spPr>
               <a:xfrm>
                 <a:off x="2872610" y="3512688"/>
-                <a:ext cx="3860159" cy="331116"/>
+                <a:ext cx="3549177" cy="331116"/>
               </a:xfrm>
               <a:prstGeom prst="rect">
                 <a:avLst/>
@@ -21043,6 +21449,7 @@
               </a:bodyPr>
               <a:lstStyle/>
               <a:p>
+                <a:pPr/>
                 <a14:m>
                   <m:oMathPara xmlns:m="http://schemas.openxmlformats.org/officeDocument/2006/math">
                     <m:oMathParaPr>
@@ -21074,18 +21481,18 @@
                             <m:t>∙</m:t>
                           </m:r>
                           <m:r>
-                            <a:rPr lang="fr-FR" sz="1400" i="1">
+                            <a:rPr lang="fr-FR" sz="1400" i="1" smtClean="0">
                               <a:latin typeface="Cambria Math" panose="02040503050406030204" pitchFamily="18" charset="0"/>
                               <a:ea typeface="Cambria Math" panose="02040503050406030204" pitchFamily="18" charset="0"/>
                             </a:rPr>
-                            <m:t>𝑠𝑖𝑚𝑖𝑙𝑎𝑟𝑖𝑡</m:t>
+                            <m:t>𝑚</m:t>
                           </m:r>
                           <m:r>
                             <a:rPr lang="fr-FR" sz="1400" b="0" i="1" smtClean="0">
                               <a:latin typeface="Cambria Math" panose="02040503050406030204" pitchFamily="18" charset="0"/>
                               <a:ea typeface="Cambria Math" panose="02040503050406030204" pitchFamily="18" charset="0"/>
                             </a:rPr>
-                            <m:t>𝑦</m:t>
+                            <m:t>𝑎𝑡𝑐h</m:t>
                           </m:r>
                           <m:r>
                             <a:rPr lang="fr-FR" sz="1400" b="0" i="1" smtClean="0">
@@ -21215,7 +21622,7 @@
             <p:spPr>
               <a:xfrm>
                 <a:off x="2872610" y="3512688"/>
-                <a:ext cx="3860159" cy="331116"/>
+                <a:ext cx="3549177" cy="331116"/>
               </a:xfrm>
               <a:prstGeom prst="rect">
                 <a:avLst/>
@@ -21223,7 +21630,7 @@
               <a:blipFill>
                 <a:blip r:embed="rId5"/>
                 <a:stretch>
-                  <a:fillRect l="-474" t="-121818" r="-8847" b="-200000"/>
+                  <a:fillRect l="-515" t="-121818" r="-9622" b="-200000"/>
                 </a:stretch>
               </a:blipFill>
             </p:spPr>
@@ -21259,7 +21666,7 @@
             <p:spPr>
               <a:xfrm>
                 <a:off x="2872610" y="2662895"/>
-                <a:ext cx="3045001" cy="247440"/>
+                <a:ext cx="2734018" cy="247440"/>
               </a:xfrm>
               <a:prstGeom prst="rect">
                 <a:avLst/>
@@ -21272,6 +21679,7 @@
               </a:bodyPr>
               <a:lstStyle/>
               <a:p>
+                <a:pPr/>
                 <a14:m>
                   <m:oMathPara xmlns:m="http://schemas.openxmlformats.org/officeDocument/2006/math">
                     <m:oMathParaPr>
@@ -21296,7 +21704,7 @@
                           <a:latin typeface="Cambria Math" panose="02040503050406030204" pitchFamily="18" charset="0"/>
                           <a:ea typeface="Cambria Math" panose="02040503050406030204" pitchFamily="18" charset="0"/>
                         </a:rPr>
-                        <m:t>𝑠𝑖𝑚𝑖𝑙𝑎𝑟𝑖𝑡𝑦</m:t>
+                        <m:t>𝑚𝑎𝑡𝑐h</m:t>
                       </m:r>
                       <m:d>
                         <m:dPr>
@@ -21413,7 +21821,7 @@
             <p:spPr>
               <a:xfrm>
                 <a:off x="2872610" y="2662895"/>
-                <a:ext cx="3045001" cy="247440"/>
+                <a:ext cx="2734018" cy="247440"/>
               </a:xfrm>
               <a:prstGeom prst="rect">
                 <a:avLst/>
@@ -21421,7 +21829,7 @@
               <a:blipFill>
                 <a:blip r:embed="rId6"/>
                 <a:stretch>
-                  <a:fillRect l="-600" b="-22500"/>
+                  <a:fillRect l="-891" b="-22500"/>
                 </a:stretch>
               </a:blipFill>
             </p:spPr>
@@ -21440,8 +21848,8 @@
           </p:sp>
         </mc:Fallback>
       </mc:AlternateContent>
-      <mc:AlternateContent xmlns:mc="http://schemas.openxmlformats.org/markup-compatibility/2006">
-        <mc:Choice xmlns:a14="http://schemas.microsoft.com/office/drawing/2010/main" Requires="a14">
+      <mc:AlternateContent xmlns:mc="http://schemas.openxmlformats.org/markup-compatibility/2006" xmlns:a14="http://schemas.microsoft.com/office/drawing/2010/main">
+        <mc:Choice Requires="a14">
           <p:sp>
             <p:nvSpPr>
               <p:cNvPr id="20" name="ZoneTexte 19">
@@ -21470,6 +21878,7 @@
               </a:bodyPr>
               <a:lstStyle/>
               <a:p>
+                <a:pPr/>
                 <a14:m>
                   <m:oMathPara xmlns:m="http://schemas.openxmlformats.org/officeDocument/2006/math">
                     <m:oMathParaPr>
@@ -21589,7 +21998,7 @@
             </p:txBody>
           </p:sp>
         </mc:Choice>
-        <mc:Fallback>
+        <mc:Fallback xmlns="">
           <p:sp>
             <p:nvSpPr>
               <p:cNvPr id="20" name="ZoneTexte 19">
@@ -21634,8 +22043,8 @@
           </p:sp>
         </mc:Fallback>
       </mc:AlternateContent>
-      <mc:AlternateContent xmlns:mc="http://schemas.openxmlformats.org/markup-compatibility/2006">
-        <mc:Choice xmlns:a14="http://schemas.microsoft.com/office/drawing/2010/main" Requires="a14">
+      <mc:AlternateContent xmlns:mc="http://schemas.openxmlformats.org/markup-compatibility/2006" xmlns:a14="http://schemas.microsoft.com/office/drawing/2010/main">
+        <mc:Choice Requires="a14">
           <p:sp>
             <p:nvSpPr>
               <p:cNvPr id="21" name="ZoneTexte 20">
@@ -21664,6 +22073,7 @@
               </a:bodyPr>
               <a:lstStyle/>
               <a:p>
+                <a:pPr/>
                 <a14:m>
                   <m:oMathPara xmlns:m="http://schemas.openxmlformats.org/officeDocument/2006/math">
                     <m:oMathParaPr>
@@ -21829,7 +22239,7 @@
             </p:txBody>
           </p:sp>
         </mc:Choice>
-        <mc:Fallback>
+        <mc:Fallback xmlns="">
           <p:sp>
             <p:nvSpPr>
               <p:cNvPr id="21" name="ZoneTexte 20">
@@ -21874,8 +22284,8 @@
           </p:sp>
         </mc:Fallback>
       </mc:AlternateContent>
-      <mc:AlternateContent xmlns:mc="http://schemas.openxmlformats.org/markup-compatibility/2006">
-        <mc:Choice xmlns:a14="http://schemas.microsoft.com/office/drawing/2010/main" Requires="a14">
+      <mc:AlternateContent xmlns:mc="http://schemas.openxmlformats.org/markup-compatibility/2006" xmlns:a14="http://schemas.microsoft.com/office/drawing/2010/main">
+        <mc:Choice Requires="a14">
           <p:sp>
             <p:nvSpPr>
               <p:cNvPr id="22" name="ZoneTexte 21">
@@ -21904,6 +22314,7 @@
               </a:bodyPr>
               <a:lstStyle/>
               <a:p>
+                <a:pPr/>
                 <a14:m>
                   <m:oMathPara xmlns:m="http://schemas.openxmlformats.org/officeDocument/2006/math">
                     <m:oMathParaPr>
@@ -21931,14 +22342,7 @@
                               <a:latin typeface="Cambria Math" panose="02040503050406030204" pitchFamily="18" charset="0"/>
                               <a:ea typeface="Cambria Math" panose="02040503050406030204" pitchFamily="18" charset="0"/>
                             </a:rPr>
-                            <m:t>∙</m:t>
-                          </m:r>
-                          <m:r>
-                            <a:rPr lang="fr-FR" sz="1400" i="1">
-                              <a:latin typeface="Cambria Math" panose="02040503050406030204" pitchFamily="18" charset="0"/>
-                              <a:ea typeface="Cambria Math" panose="02040503050406030204" pitchFamily="18" charset="0"/>
-                            </a:rPr>
-                            <m:t>( 1 − </m:t>
+                            <m:t>∙( 1 − </m:t>
                           </m:r>
                           <m:f>
                             <m:fPr>
@@ -22071,7 +22475,7 @@
             </p:txBody>
           </p:sp>
         </mc:Choice>
-        <mc:Fallback>
+        <mc:Fallback xmlns="">
           <p:sp>
             <p:nvSpPr>
               <p:cNvPr id="22" name="ZoneTexte 21">
@@ -22169,7 +22573,7 @@
             <p:spPr>
               <a:xfrm>
                 <a:off x="8766654" y="2501060"/>
-                <a:ext cx="2054858" cy="320793"/>
+                <a:ext cx="1806392" cy="293029"/>
               </a:xfrm>
               <a:prstGeom prst="rect">
                 <a:avLst/>
@@ -22182,6 +22586,7 @@
               </a:bodyPr>
               <a:lstStyle/>
               <a:p>
+                <a:pPr/>
                 <a14:m>
                   <m:oMathPara xmlns:m="http://schemas.openxmlformats.org/officeDocument/2006/math">
                     <m:oMathParaPr>
@@ -22192,7 +22597,7 @@
                         <a:rPr lang="fr-FR" sz="1100" b="0" i="1" smtClean="0">
                           <a:latin typeface="Cambria Math" panose="02040503050406030204" pitchFamily="18" charset="0"/>
                         </a:rPr>
-                        <m:t>𝑠𝑖𝑚𝑖𝑙𝑎𝑟𝑖𝑡𝑦</m:t>
+                        <m:t>𝑚𝑎𝑡𝑐h</m:t>
                       </m:r>
                       <m:d>
                         <m:dPr>
@@ -22238,19 +22643,6 @@
                           </m:ctrlPr>
                         </m:fPr>
                         <m:num>
-                          <m:r>
-                            <a:rPr lang="fr-FR" sz="1100" b="0" i="1" smtClean="0">
-                              <a:latin typeface="Cambria Math" panose="02040503050406030204" pitchFamily="18" charset="0"/>
-                            </a:rPr>
-                            <m:t>2</m:t>
-                          </m:r>
-                          <m:r>
-                            <a:rPr lang="fr-FR" sz="1100" b="0" i="1" smtClean="0">
-                              <a:latin typeface="Cambria Math" panose="02040503050406030204" pitchFamily="18" charset="0"/>
-                              <a:ea typeface="Cambria Math" panose="02040503050406030204" pitchFamily="18" charset="0"/>
-                            </a:rPr>
-                            <m:t>∙</m:t>
-                          </m:r>
                           <m:r>
                             <a:rPr lang="fr-FR" sz="1100" b="0" i="1" smtClean="0">
                               <a:latin typeface="Cambria Math" panose="02040503050406030204" pitchFamily="18" charset="0"/>
@@ -22353,7 +22745,7 @@
             <p:spPr>
               <a:xfrm>
                 <a:off x="8766654" y="2501060"/>
-                <a:ext cx="2054858" cy="320793"/>
+                <a:ext cx="1806392" cy="293029"/>
               </a:xfrm>
               <a:prstGeom prst="rect">
                 <a:avLst/>
@@ -22361,7 +22753,7 @@
               <a:blipFill>
                 <a:blip r:embed="rId10"/>
                 <a:stretch>
-                  <a:fillRect l="-2077" b="-9434"/>
+                  <a:fillRect l="-1351" b="-12500"/>
                 </a:stretch>
               </a:blipFill>
             </p:spPr>
@@ -22397,7 +22789,7 @@
             <p:spPr>
               <a:xfrm>
                 <a:off x="8766654" y="3163179"/>
-                <a:ext cx="2131353" cy="350352"/>
+                <a:ext cx="1884298" cy="350352"/>
               </a:xfrm>
               <a:prstGeom prst="rect">
                 <a:avLst/>
@@ -22410,6 +22802,7 @@
               </a:bodyPr>
               <a:lstStyle/>
               <a:p>
+                <a:pPr/>
                 <a14:m>
                   <m:oMathPara xmlns:m="http://schemas.openxmlformats.org/officeDocument/2006/math">
                     <m:oMathParaPr>
@@ -22451,7 +22844,7 @@
                         <a:rPr lang="fr-FR" sz="1100" b="0" i="1" smtClean="0">
                           <a:latin typeface="Cambria Math" panose="02040503050406030204" pitchFamily="18" charset="0"/>
                         </a:rPr>
-                        <m:t>=1− </m:t>
+                        <m:t>=</m:t>
                       </m:r>
                       <m:f>
                         <m:fPr>
@@ -22534,7 +22927,7 @@
             <p:spPr>
               <a:xfrm>
                 <a:off x="8766654" y="3163179"/>
-                <a:ext cx="2131353" cy="350352"/>
+                <a:ext cx="1884298" cy="350352"/>
               </a:xfrm>
               <a:prstGeom prst="rect">
                 <a:avLst/>
@@ -22542,7 +22935,7 @@
               <a:blipFill>
                 <a:blip r:embed="rId11"/>
                 <a:stretch>
-                  <a:fillRect l="-2000" t="-3509" b="-19298"/>
+                  <a:fillRect l="-1618" t="-3509" b="-19298"/>
                 </a:stretch>
               </a:blipFill>
             </p:spPr>
@@ -22578,7 +22971,7 @@
             <p:spPr>
               <a:xfrm>
                 <a:off x="8766654" y="3724400"/>
-                <a:ext cx="3109121" cy="321883"/>
+                <a:ext cx="2830903" cy="321883"/>
               </a:xfrm>
               <a:prstGeom prst="rect">
                 <a:avLst/>
@@ -22591,6 +22984,7 @@
               </a:bodyPr>
               <a:lstStyle/>
               <a:p>
+                <a:pPr/>
                 <a14:m>
                   <m:oMathPara xmlns:m="http://schemas.openxmlformats.org/officeDocument/2006/math">
                     <m:oMathParaPr>
@@ -22626,7 +23020,13 @@
                         <a:rPr lang="fr-FR" sz="1100" b="0" i="1" smtClean="0">
                           <a:latin typeface="Cambria Math" panose="02040503050406030204" pitchFamily="18" charset="0"/>
                         </a:rPr>
-                        <m:t>=1− </m:t>
+                        <m:t>=</m:t>
+                      </m:r>
+                      <m:r>
+                        <a:rPr lang="fr-FR" sz="1100" b="0" i="1" smtClean="0">
+                          <a:latin typeface="Cambria Math" panose="02040503050406030204" pitchFamily="18" charset="0"/>
+                        </a:rPr>
+                        <m:t> </m:t>
                       </m:r>
                       <m:f>
                         <m:fPr>
@@ -22709,7 +23109,7 @@
             <p:spPr>
               <a:xfrm>
                 <a:off x="8766654" y="3724400"/>
-                <a:ext cx="3109121" cy="321883"/>
+                <a:ext cx="2830903" cy="321883"/>
               </a:xfrm>
               <a:prstGeom prst="rect">
                 <a:avLst/>
@@ -22717,7 +23117,7 @@
               <a:blipFill>
                 <a:blip r:embed="rId12"/>
                 <a:stretch>
-                  <a:fillRect t="-3774" b="-13208"/>
+                  <a:fillRect l="-647" t="-3774" b="-13208"/>
                 </a:stretch>
               </a:blipFill>
             </p:spPr>
@@ -22736,8 +23136,8 @@
           </p:sp>
         </mc:Fallback>
       </mc:AlternateContent>
-      <mc:AlternateContent xmlns:mc="http://schemas.openxmlformats.org/markup-compatibility/2006">
-        <mc:Choice xmlns:a14="http://schemas.microsoft.com/office/drawing/2010/main" Requires="a14">
+      <mc:AlternateContent xmlns:mc="http://schemas.openxmlformats.org/markup-compatibility/2006" xmlns:a14="http://schemas.microsoft.com/office/drawing/2010/main">
+        <mc:Choice Requires="a14">
           <p:sp>
             <p:nvSpPr>
               <p:cNvPr id="27" name="ZoneTexte 26">
@@ -22766,6 +23166,7 @@
               </a:bodyPr>
               <a:lstStyle/>
               <a:p>
+                <a:pPr/>
                 <a14:m>
                   <m:oMathPara xmlns:m="http://schemas.openxmlformats.org/officeDocument/2006/math">
                     <m:oMathParaPr>
@@ -22890,7 +23291,7 @@
             </p:txBody>
           </p:sp>
         </mc:Choice>
-        <mc:Fallback>
+        <mc:Fallback xmlns="">
           <p:sp>
             <p:nvSpPr>
               <p:cNvPr id="27" name="ZoneTexte 26">
@@ -23548,7 +23949,7 @@
         <p:spPr>
           <a:xfrm>
             <a:off x="7589473" y="1543956"/>
-            <a:ext cx="3538969" cy="4308872"/>
+            <a:ext cx="3538969" cy="4585871"/>
           </a:xfrm>
           <a:prstGeom prst="rect">
             <a:avLst/>
@@ -23601,9 +24002,34 @@
             </a:r>
           </a:p>
           <a:p>
+            <a:pPr marL="342900" indent="-342900">
+              <a:buAutoNum type="arabicPlain" startAt="1000"/>
+            </a:pPr>
             <a:r>
               <a:rPr lang="fr-FR" dirty="0"/>
-              <a:t>1000  </a:t>
+              <a:t> </a:t>
+            </a:r>
+            <a:r>
+              <a:rPr lang="fr-FR" dirty="0" err="1"/>
+              <a:t>steps</a:t>
+            </a:r>
+            <a:r>
+              <a:rPr lang="fr-FR" dirty="0"/>
+              <a:t> / simulations</a:t>
+            </a:r>
+          </a:p>
+          <a:p>
+            <a:r>
+              <a:rPr lang="fr-FR" dirty="0"/>
+              <a:t>1000 </a:t>
+            </a:r>
+            <a:r>
+              <a:rPr lang="fr-FR" dirty="0" err="1"/>
+              <a:t>history</a:t>
+            </a:r>
+            <a:r>
+              <a:rPr lang="fr-FR" dirty="0"/>
+              <a:t> </a:t>
             </a:r>
             <a:r>
               <a:rPr lang="fr-FR" dirty="0" err="1"/>
@@ -23937,19 +24363,13 @@
               <a:rPr lang="fr-FR" b="1" dirty="0"/>
               <a:t>non-évolutif </a:t>
             </a:r>
-          </a:p>
-          <a:p>
-            <a:pPr algn="ctr"/>
             <a:r>
               <a:rPr lang="fr-FR" dirty="0"/>
-              <a:t>4 entraînement </a:t>
-            </a:r>
-          </a:p>
-          <a:p>
-            <a:pPr marL="285750" indent="-285750">
-              <a:buFont typeface="Arial" panose="020B0604020202020204" pitchFamily="34" charset="0"/>
-              <a:buChar char="•"/>
-            </a:pPr>
+              <a:t>lorsque les modèles s’y prêtent</a:t>
+            </a:r>
+            <a:endParaRPr lang="fr-FR" b="1" dirty="0"/>
+          </a:p>
+          <a:p>
             <a:endParaRPr lang="fr-FR" dirty="0"/>
           </a:p>
           <a:p>

--- a/IA316_Linkdn.pptx
+++ b/IA316_Linkdn.pptx
@@ -898,6 +898,22 @@
           <a:bodyPr/>
           <a:lstStyle/>
           <a:p>
+            <a:r>
+              <a:rPr lang="fr-FR" b="1" dirty="0"/>
+              <a:t>Due a la distribution des </a:t>
+            </a:r>
+            <a:r>
+              <a:rPr lang="fr-FR" b="1" dirty="0" err="1"/>
+              <a:t>users</a:t>
+            </a:r>
+            <a:r>
+              <a:rPr lang="fr-FR" b="1" dirty="0"/>
+              <a:t> et des offres au départ car dans le cas non </a:t>
+            </a:r>
+            <a:r>
+              <a:rPr lang="fr-FR" b="1" dirty="0" err="1"/>
+              <a:t>evolutive</a:t>
+            </a:r>
             <a:endParaRPr lang="fr-FR" b="1" dirty="0"/>
           </a:p>
         </p:txBody>
@@ -1756,9 +1772,10 @@
           <a:lstStyle/>
           <a:p>
             <a:r>
-              <a:rPr lang="fr-FR" dirty="0"/>
+              <a:rPr lang="fr-FR"/>
               <a:t>05/03/2020</a:t>
             </a:r>
+            <a:endParaRPr lang="fr-FR" dirty="0"/>
           </a:p>
         </p:txBody>
       </p:sp>
@@ -2018,9 +2035,10 @@
           <a:lstStyle/>
           <a:p>
             <a:r>
-              <a:rPr lang="fr-FR" dirty="0"/>
-              <a:t>05/02/2020</a:t>
-            </a:r>
+              <a:rPr lang="fr-FR"/>
+              <a:t>05/03/2020</a:t>
+            </a:r>
+            <a:endParaRPr lang="fr-FR" dirty="0"/>
           </a:p>
         </p:txBody>
       </p:sp>
@@ -2233,9 +2251,10 @@
           <a:lstStyle/>
           <a:p>
             <a:r>
-              <a:rPr lang="fr-FR" dirty="0"/>
-              <a:t>05/02/2020</a:t>
-            </a:r>
+              <a:rPr lang="fr-FR"/>
+              <a:t>05/03/2020</a:t>
+            </a:r>
+            <a:endParaRPr lang="fr-FR" dirty="0"/>
           </a:p>
         </p:txBody>
       </p:sp>
@@ -2397,11 +2416,10 @@
           <a:bodyPr/>
           <a:lstStyle/>
           <a:p>
-            <a:fld id="{F878C1AA-D308-49A5-A1DB-874950B85105}" type="datetimeFigureOut">
-              <a:rPr lang="fr-FR" smtClean="0"/>
+            <a:r>
+              <a:rPr lang="fr-FR"/>
               <a:t>05/03/2020</a:t>
-            </a:fld>
-            <a:endParaRPr lang="fr-FR"/>
+            </a:r>
           </a:p>
         </p:txBody>
       </p:sp>
@@ -2426,7 +2444,10 @@
           <a:bodyPr/>
           <a:lstStyle/>
           <a:p>
-            <a:endParaRPr lang="fr-FR"/>
+            <a:r>
+              <a:rPr lang="fr-FR"/>
+              <a:t>Alexandre Dazat - Julien Denize</a:t>
+            </a:r>
           </a:p>
         </p:txBody>
       </p:sp>
@@ -2595,11 +2616,10 @@
           <a:bodyPr/>
           <a:lstStyle/>
           <a:p>
-            <a:fld id="{F878C1AA-D308-49A5-A1DB-874950B85105}" type="datetimeFigureOut">
-              <a:rPr lang="fr-FR" smtClean="0"/>
+            <a:r>
+              <a:rPr lang="fr-FR"/>
               <a:t>05/03/2020</a:t>
-            </a:fld>
-            <a:endParaRPr lang="fr-FR"/>
+            </a:r>
           </a:p>
         </p:txBody>
       </p:sp>
@@ -2624,7 +2644,10 @@
           <a:bodyPr/>
           <a:lstStyle/>
           <a:p>
-            <a:endParaRPr lang="fr-FR"/>
+            <a:r>
+              <a:rPr lang="fr-FR"/>
+              <a:t>Alexandre Dazat - Julien Denize</a:t>
+            </a:r>
           </a:p>
         </p:txBody>
       </p:sp>
@@ -2870,11 +2893,10 @@
           <a:bodyPr/>
           <a:lstStyle/>
           <a:p>
-            <a:fld id="{F878C1AA-D308-49A5-A1DB-874950B85105}" type="datetimeFigureOut">
-              <a:rPr lang="fr-FR" smtClean="0"/>
+            <a:r>
+              <a:rPr lang="fr-FR"/>
               <a:t>05/03/2020</a:t>
-            </a:fld>
-            <a:endParaRPr lang="fr-FR"/>
+            </a:r>
           </a:p>
         </p:txBody>
       </p:sp>
@@ -2899,7 +2921,10 @@
           <a:bodyPr/>
           <a:lstStyle/>
           <a:p>
-            <a:endParaRPr lang="fr-FR"/>
+            <a:r>
+              <a:rPr lang="fr-FR"/>
+              <a:t>Alexandre Dazat - Julien Denize</a:t>
+            </a:r>
           </a:p>
         </p:txBody>
       </p:sp>
@@ -3135,11 +3160,10 @@
           <a:bodyPr/>
           <a:lstStyle/>
           <a:p>
-            <a:fld id="{F878C1AA-D308-49A5-A1DB-874950B85105}" type="datetimeFigureOut">
-              <a:rPr lang="fr-FR" smtClean="0"/>
+            <a:r>
+              <a:rPr lang="fr-FR"/>
               <a:t>05/03/2020</a:t>
-            </a:fld>
-            <a:endParaRPr lang="fr-FR"/>
+            </a:r>
           </a:p>
         </p:txBody>
       </p:sp>
@@ -3164,7 +3188,10 @@
           <a:bodyPr/>
           <a:lstStyle/>
           <a:p>
-            <a:endParaRPr lang="fr-FR"/>
+            <a:r>
+              <a:rPr lang="fr-FR"/>
+              <a:t>Alexandre Dazat - Julien Denize</a:t>
+            </a:r>
           </a:p>
         </p:txBody>
       </p:sp>
@@ -3547,11 +3574,10 @@
           <a:bodyPr/>
           <a:lstStyle/>
           <a:p>
-            <a:fld id="{F878C1AA-D308-49A5-A1DB-874950B85105}" type="datetimeFigureOut">
-              <a:rPr lang="fr-FR" smtClean="0"/>
+            <a:r>
+              <a:rPr lang="fr-FR"/>
               <a:t>05/03/2020</a:t>
-            </a:fld>
-            <a:endParaRPr lang="fr-FR"/>
+            </a:r>
           </a:p>
         </p:txBody>
       </p:sp>
@@ -3576,7 +3602,10 @@
           <a:bodyPr/>
           <a:lstStyle/>
           <a:p>
-            <a:endParaRPr lang="fr-FR"/>
+            <a:r>
+              <a:rPr lang="fr-FR"/>
+              <a:t>Alexandre Dazat - Julien Denize</a:t>
+            </a:r>
           </a:p>
         </p:txBody>
       </p:sp>
@@ -3688,11 +3717,10 @@
           <a:bodyPr/>
           <a:lstStyle/>
           <a:p>
-            <a:fld id="{F878C1AA-D308-49A5-A1DB-874950B85105}" type="datetimeFigureOut">
-              <a:rPr lang="fr-FR" smtClean="0"/>
+            <a:r>
+              <a:rPr lang="fr-FR"/>
               <a:t>05/03/2020</a:t>
-            </a:fld>
-            <a:endParaRPr lang="fr-FR"/>
+            </a:r>
           </a:p>
         </p:txBody>
       </p:sp>
@@ -3717,7 +3745,10 @@
           <a:bodyPr/>
           <a:lstStyle/>
           <a:p>
-            <a:endParaRPr lang="fr-FR"/>
+            <a:r>
+              <a:rPr lang="fr-FR"/>
+              <a:t>Alexandre Dazat - Julien Denize</a:t>
+            </a:r>
           </a:p>
         </p:txBody>
       </p:sp>
@@ -3801,11 +3832,10 @@
           <a:bodyPr/>
           <a:lstStyle/>
           <a:p>
-            <a:fld id="{F878C1AA-D308-49A5-A1DB-874950B85105}" type="datetimeFigureOut">
-              <a:rPr lang="fr-FR" smtClean="0"/>
+            <a:r>
+              <a:rPr lang="fr-FR"/>
               <a:t>05/03/2020</a:t>
-            </a:fld>
-            <a:endParaRPr lang="fr-FR"/>
+            </a:r>
           </a:p>
         </p:txBody>
       </p:sp>
@@ -3830,7 +3860,10 @@
           <a:bodyPr/>
           <a:lstStyle/>
           <a:p>
-            <a:endParaRPr lang="fr-FR"/>
+            <a:r>
+              <a:rPr lang="fr-FR"/>
+              <a:t>Alexandre Dazat - Julien Denize</a:t>
+            </a:r>
           </a:p>
         </p:txBody>
       </p:sp>
@@ -4112,11 +4145,10 @@
           <a:bodyPr/>
           <a:lstStyle/>
           <a:p>
-            <a:fld id="{F878C1AA-D308-49A5-A1DB-874950B85105}" type="datetimeFigureOut">
-              <a:rPr lang="fr-FR" smtClean="0"/>
+            <a:r>
+              <a:rPr lang="fr-FR"/>
               <a:t>05/03/2020</a:t>
-            </a:fld>
-            <a:endParaRPr lang="fr-FR"/>
+            </a:r>
           </a:p>
         </p:txBody>
       </p:sp>
@@ -4141,7 +4173,10 @@
           <a:bodyPr/>
           <a:lstStyle/>
           <a:p>
-            <a:endParaRPr lang="fr-FR"/>
+            <a:r>
+              <a:rPr lang="fr-FR"/>
+              <a:t>Alexandre Dazat - Julien Denize</a:t>
+            </a:r>
           </a:p>
         </p:txBody>
       </p:sp>
@@ -4321,9 +4356,10 @@
           </a:lstStyle>
           <a:p>
             <a:r>
-              <a:rPr lang="fr-FR" dirty="0"/>
-              <a:t>25/02/2020</a:t>
-            </a:r>
+              <a:rPr lang="fr-FR"/>
+              <a:t>05/03/2020</a:t>
+            </a:r>
+            <a:endParaRPr lang="fr-FR" dirty="0"/>
           </a:p>
         </p:txBody>
       </p:sp>
@@ -4647,11 +4683,10 @@
           <a:bodyPr/>
           <a:lstStyle/>
           <a:p>
-            <a:fld id="{F878C1AA-D308-49A5-A1DB-874950B85105}" type="datetimeFigureOut">
-              <a:rPr lang="fr-FR" smtClean="0"/>
+            <a:r>
+              <a:rPr lang="fr-FR"/>
               <a:t>05/03/2020</a:t>
-            </a:fld>
-            <a:endParaRPr lang="fr-FR"/>
+            </a:r>
           </a:p>
         </p:txBody>
       </p:sp>
@@ -4676,7 +4711,10 @@
           <a:bodyPr/>
           <a:lstStyle/>
           <a:p>
-            <a:endParaRPr lang="fr-FR"/>
+            <a:r>
+              <a:rPr lang="fr-FR"/>
+              <a:t>Alexandre Dazat - Julien Denize</a:t>
+            </a:r>
           </a:p>
         </p:txBody>
       </p:sp>
@@ -4845,11 +4883,10 @@
           <a:bodyPr/>
           <a:lstStyle/>
           <a:p>
-            <a:fld id="{F878C1AA-D308-49A5-A1DB-874950B85105}" type="datetimeFigureOut">
-              <a:rPr lang="fr-FR" smtClean="0"/>
+            <a:r>
+              <a:rPr lang="fr-FR"/>
               <a:t>05/03/2020</a:t>
-            </a:fld>
-            <a:endParaRPr lang="fr-FR"/>
+            </a:r>
           </a:p>
         </p:txBody>
       </p:sp>
@@ -4874,7 +4911,10 @@
           <a:bodyPr/>
           <a:lstStyle/>
           <a:p>
-            <a:endParaRPr lang="fr-FR"/>
+            <a:r>
+              <a:rPr lang="fr-FR"/>
+              <a:t>Alexandre Dazat - Julien Denize</a:t>
+            </a:r>
           </a:p>
         </p:txBody>
       </p:sp>
@@ -5053,11 +5093,10 @@
           <a:bodyPr/>
           <a:lstStyle/>
           <a:p>
-            <a:fld id="{F878C1AA-D308-49A5-A1DB-874950B85105}" type="datetimeFigureOut">
-              <a:rPr lang="fr-FR" smtClean="0"/>
+            <a:r>
+              <a:rPr lang="fr-FR"/>
               <a:t>05/03/2020</a:t>
-            </a:fld>
-            <a:endParaRPr lang="fr-FR"/>
+            </a:r>
           </a:p>
         </p:txBody>
       </p:sp>
@@ -5082,7 +5121,10 @@
           <a:bodyPr/>
           <a:lstStyle/>
           <a:p>
-            <a:endParaRPr lang="fr-FR"/>
+            <a:r>
+              <a:rPr lang="fr-FR"/>
+              <a:t>Alexandre Dazat - Julien Denize</a:t>
+            </a:r>
           </a:p>
         </p:txBody>
       </p:sp>
@@ -5275,7 +5317,7 @@
           <a:p>
             <a:r>
               <a:rPr lang="fr-FR"/>
-              <a:t>25/02/2020</a:t>
+              <a:t>05/03/2020</a:t>
             </a:r>
           </a:p>
         </p:txBody>
@@ -5475,7 +5517,7 @@
           <a:p>
             <a:r>
               <a:rPr lang="fr-FR"/>
-              <a:t>25/02/2020</a:t>
+              <a:t>05/03/2020</a:t>
             </a:r>
           </a:p>
         </p:txBody>
@@ -5752,7 +5794,7 @@
           <a:p>
             <a:r>
               <a:rPr lang="fr-FR"/>
-              <a:t>25/02/2020</a:t>
+              <a:t>05/03/2020</a:t>
             </a:r>
           </a:p>
         </p:txBody>
@@ -6019,7 +6061,7 @@
           <a:p>
             <a:r>
               <a:rPr lang="fr-FR"/>
-              <a:t>25/02/2020</a:t>
+              <a:t>05/03/2020</a:t>
             </a:r>
           </a:p>
         </p:txBody>
@@ -6433,7 +6475,7 @@
           <a:p>
             <a:r>
               <a:rPr lang="fr-FR"/>
-              <a:t>25/02/2020</a:t>
+              <a:t>05/03/2020</a:t>
             </a:r>
           </a:p>
         </p:txBody>
@@ -6576,7 +6618,7 @@
           <a:p>
             <a:r>
               <a:rPr lang="fr-FR"/>
-              <a:t>25/02/2020</a:t>
+              <a:t>05/03/2020</a:t>
             </a:r>
           </a:p>
         </p:txBody>
@@ -6691,7 +6733,7 @@
           <a:p>
             <a:r>
               <a:rPr lang="fr-FR"/>
-              <a:t>25/02/2020</a:t>
+              <a:t>05/03/2020</a:t>
             </a:r>
           </a:p>
         </p:txBody>
@@ -6967,9 +7009,10 @@
           <a:lstStyle/>
           <a:p>
             <a:r>
-              <a:rPr lang="fr-FR" dirty="0"/>
-              <a:t>05/02/2020</a:t>
-            </a:r>
+              <a:rPr lang="fr-FR"/>
+              <a:t>05/03/2020</a:t>
+            </a:r>
+            <a:endParaRPr lang="fr-FR" dirty="0"/>
           </a:p>
         </p:txBody>
       </p:sp>
@@ -7281,7 +7324,7 @@
           <a:p>
             <a:r>
               <a:rPr lang="fr-FR"/>
-              <a:t>25/02/2020</a:t>
+              <a:t>05/03/2020</a:t>
             </a:r>
           </a:p>
         </p:txBody>
@@ -7571,7 +7614,7 @@
           <a:p>
             <a:r>
               <a:rPr lang="fr-FR"/>
-              <a:t>25/02/2020</a:t>
+              <a:t>05/03/2020</a:t>
             </a:r>
           </a:p>
         </p:txBody>
@@ -7771,7 +7814,7 @@
           <a:p>
             <a:r>
               <a:rPr lang="fr-FR"/>
-              <a:t>25/02/2020</a:t>
+              <a:t>05/03/2020</a:t>
             </a:r>
           </a:p>
         </p:txBody>
@@ -7981,7 +8024,7 @@
           <a:p>
             <a:r>
               <a:rPr lang="fr-FR"/>
-              <a:t>25/02/2020</a:t>
+              <a:t>05/03/2020</a:t>
             </a:r>
           </a:p>
         </p:txBody>
@@ -8203,7 +8246,7 @@
           <a:p>
             <a:r>
               <a:rPr lang="fr-FR"/>
-              <a:t>25/02/2020</a:t>
+              <a:t>05/03/2020</a:t>
             </a:r>
           </a:p>
         </p:txBody>
@@ -8403,7 +8446,7 @@
           <a:p>
             <a:r>
               <a:rPr lang="fr-FR"/>
-              <a:t>25/02/2020</a:t>
+              <a:t>05/03/2020</a:t>
             </a:r>
           </a:p>
         </p:txBody>
@@ -8680,7 +8723,7 @@
           <a:p>
             <a:r>
               <a:rPr lang="fr-FR"/>
-              <a:t>25/02/2020</a:t>
+              <a:t>05/03/2020</a:t>
             </a:r>
           </a:p>
         </p:txBody>
@@ -8947,7 +8990,7 @@
           <a:p>
             <a:r>
               <a:rPr lang="fr-FR"/>
-              <a:t>25/02/2020</a:t>
+              <a:t>05/03/2020</a:t>
             </a:r>
           </a:p>
         </p:txBody>
@@ -9361,7 +9404,7 @@
           <a:p>
             <a:r>
               <a:rPr lang="fr-FR"/>
-              <a:t>25/02/2020</a:t>
+              <a:t>05/03/2020</a:t>
             </a:r>
           </a:p>
         </p:txBody>
@@ -9504,7 +9547,7 @@
           <a:p>
             <a:r>
               <a:rPr lang="fr-FR"/>
-              <a:t>25/02/2020</a:t>
+              <a:t>05/03/2020</a:t>
             </a:r>
           </a:p>
         </p:txBody>
@@ -9837,9 +9880,10 @@
           <a:lstStyle/>
           <a:p>
             <a:r>
-              <a:rPr lang="fr-FR" dirty="0"/>
-              <a:t>05/02/2020</a:t>
-            </a:r>
+              <a:rPr lang="fr-FR"/>
+              <a:t>05/03/2020</a:t>
+            </a:r>
+            <a:endParaRPr lang="fr-FR" dirty="0"/>
           </a:p>
         </p:txBody>
       </p:sp>
@@ -9896,7 +9940,7 @@
           <a:p>
             <a:r>
               <a:rPr lang="fr-FR"/>
-              <a:t>25/02/2020</a:t>
+              <a:t>05/03/2020</a:t>
             </a:r>
           </a:p>
         </p:txBody>
@@ -10209,7 +10253,7 @@
           <a:p>
             <a:r>
               <a:rPr lang="fr-FR"/>
-              <a:t>25/02/2020</a:t>
+              <a:t>05/03/2020</a:t>
             </a:r>
           </a:p>
         </p:txBody>
@@ -10499,7 +10543,7 @@
           <a:p>
             <a:r>
               <a:rPr lang="fr-FR"/>
-              <a:t>25/02/2020</a:t>
+              <a:t>05/03/2020</a:t>
             </a:r>
           </a:p>
         </p:txBody>
@@ -10699,7 +10743,7 @@
           <a:p>
             <a:r>
               <a:rPr lang="fr-FR"/>
-              <a:t>25/02/2020</a:t>
+              <a:t>05/03/2020</a:t>
             </a:r>
           </a:p>
         </p:txBody>
@@ -10909,7 +10953,7 @@
           <a:p>
             <a:r>
               <a:rPr lang="fr-FR"/>
-              <a:t>25/02/2020</a:t>
+              <a:t>05/03/2020</a:t>
             </a:r>
           </a:p>
         </p:txBody>
@@ -11322,9 +11366,10 @@
           <a:lstStyle/>
           <a:p>
             <a:r>
-              <a:rPr lang="fr-FR" dirty="0"/>
-              <a:t>05/02/2020</a:t>
-            </a:r>
+              <a:rPr lang="fr-FR"/>
+              <a:t>05/03/2020</a:t>
+            </a:r>
+            <a:endParaRPr lang="fr-FR" dirty="0"/>
           </a:p>
         </p:txBody>
       </p:sp>
@@ -11470,9 +11515,10 @@
           <a:lstStyle/>
           <a:p>
             <a:r>
-              <a:rPr lang="fr-FR" dirty="0"/>
-              <a:t>05/02/2020</a:t>
-            </a:r>
+              <a:rPr lang="fr-FR"/>
+              <a:t>05/03/2020</a:t>
+            </a:r>
+            <a:endParaRPr lang="fr-FR" dirty="0"/>
           </a:p>
         </p:txBody>
       </p:sp>
@@ -11590,9 +11636,10 @@
           <a:lstStyle/>
           <a:p>
             <a:r>
-              <a:rPr lang="fr-FR" dirty="0"/>
-              <a:t>05/02/2020</a:t>
-            </a:r>
+              <a:rPr lang="fr-FR"/>
+              <a:t>05/03/2020</a:t>
+            </a:r>
+            <a:endParaRPr lang="fr-FR" dirty="0"/>
           </a:p>
         </p:txBody>
       </p:sp>
@@ -11908,9 +11955,10 @@
           <a:lstStyle/>
           <a:p>
             <a:r>
-              <a:rPr lang="fr-FR" dirty="0"/>
-              <a:t>05/02/2020</a:t>
-            </a:r>
+              <a:rPr lang="fr-FR"/>
+              <a:t>05/03/2020</a:t>
+            </a:r>
+            <a:endParaRPr lang="fr-FR" dirty="0"/>
           </a:p>
         </p:txBody>
       </p:sp>
@@ -12203,9 +12251,10 @@
           <a:lstStyle/>
           <a:p>
             <a:r>
-              <a:rPr lang="fr-FR" dirty="0"/>
-              <a:t>05/02/2020</a:t>
-            </a:r>
+              <a:rPr lang="fr-FR"/>
+              <a:t>05/03/2020</a:t>
+            </a:r>
+            <a:endParaRPr lang="fr-FR" dirty="0"/>
           </a:p>
         </p:txBody>
       </p:sp>
@@ -12389,9 +12438,10 @@
           </a:lstStyle>
           <a:p>
             <a:r>
-              <a:rPr lang="fr-FR" dirty="0"/>
+              <a:rPr lang="fr-FR"/>
               <a:t>05/03/2020</a:t>
             </a:r>
+            <a:endParaRPr lang="fr-FR" dirty="0"/>
           </a:p>
         </p:txBody>
       </p:sp>
@@ -12600,7 +12650,7 @@
     <p:sldLayoutId id="2147483658" r:id="rId10"/>
     <p:sldLayoutId id="2147483659" r:id="rId11"/>
   </p:sldLayoutIdLst>
-  <p:hf hdr="0"/>
+  <p:hf hdr="0" ftr="0"/>
   <p:txStyles>
     <p:titleStyle>
       <a:lvl1pPr algn="l" defTabSz="914400" rtl="0" eaLnBrk="1" latinLnBrk="0" hangingPunct="1">
@@ -13050,11 +13100,10 @@
             </a:lvl1pPr>
           </a:lstStyle>
           <a:p>
-            <a:fld id="{F878C1AA-D308-49A5-A1DB-874950B85105}" type="datetimeFigureOut">
-              <a:rPr lang="fr-FR" smtClean="0"/>
+            <a:r>
+              <a:rPr lang="fr-FR"/>
               <a:t>05/03/2020</a:t>
-            </a:fld>
-            <a:endParaRPr lang="fr-FR"/>
+            </a:r>
           </a:p>
         </p:txBody>
       </p:sp>
@@ -13097,7 +13146,10 @@
             </a:lvl1pPr>
           </a:lstStyle>
           <a:p>
-            <a:endParaRPr lang="fr-FR"/>
+            <a:r>
+              <a:rPr lang="fr-FR"/>
+              <a:t>Alexandre Dazat - Julien Denize</a:t>
+            </a:r>
           </a:p>
         </p:txBody>
       </p:sp>
@@ -13169,6 +13221,7 @@
     <p:sldLayoutId id="2147483694" r:id="rId10"/>
     <p:sldLayoutId id="2147483695" r:id="rId11"/>
   </p:sldLayoutIdLst>
+  <p:hf hdr="0" ftr="0"/>
   <p:txStyles>
     <p:titleStyle>
       <a:lvl1pPr algn="l" defTabSz="914400" rtl="0" eaLnBrk="1" latinLnBrk="0" hangingPunct="1">
@@ -13620,7 +13673,7 @@
           <a:p>
             <a:r>
               <a:rPr lang="fr-FR"/>
-              <a:t>25/02/2020</a:t>
+              <a:t>05/03/2020</a:t>
             </a:r>
           </a:p>
         </p:txBody>
@@ -13739,7 +13792,7 @@
     <p:sldLayoutId id="2147483682" r:id="rId10"/>
     <p:sldLayoutId id="2147483683" r:id="rId11"/>
   </p:sldLayoutIdLst>
-  <p:hf hdr="0"/>
+  <p:hf hdr="0" ftr="0"/>
   <p:txStyles>
     <p:titleStyle>
       <a:lvl1pPr algn="l" defTabSz="914400" rtl="0" eaLnBrk="1" latinLnBrk="0" hangingPunct="1">
@@ -14191,7 +14244,7 @@
           <a:p>
             <a:r>
               <a:rPr lang="fr-FR"/>
-              <a:t>25/02/2020</a:t>
+              <a:t>05/03/2020</a:t>
             </a:r>
           </a:p>
         </p:txBody>
@@ -14310,7 +14363,7 @@
     <p:sldLayoutId id="2147483670" r:id="rId10"/>
     <p:sldLayoutId id="2147483671" r:id="rId11"/>
   </p:sldLayoutIdLst>
-  <p:hf hdr="0"/>
+  <p:hf hdr="0" ftr="0"/>
   <p:txStyles>
     <p:titleStyle>
       <a:lvl1pPr algn="l" defTabSz="914400" rtl="0" eaLnBrk="1" latinLnBrk="0" hangingPunct="1">
@@ -15302,9 +15355,10 @@
           <a:lstStyle/>
           <a:p>
             <a:r>
-              <a:rPr lang="fr-FR" dirty="0"/>
-              <a:t>05/0/2020</a:t>
-            </a:r>
+              <a:rPr lang="fr-FR"/>
+              <a:t>05/03/2020</a:t>
+            </a:r>
+            <a:endParaRPr lang="fr-FR" dirty="0"/>
           </a:p>
         </p:txBody>
       </p:sp>
@@ -15390,35 +15444,7 @@
           <a:p>
             <a:r>
               <a:rPr lang="fr-FR"/>
-              <a:t>25/02/2020</a:t>
-            </a:r>
-          </a:p>
-        </p:txBody>
-      </p:sp>
-      <p:sp>
-        <p:nvSpPr>
-          <p:cNvPr id="6" name="Espace réservé du pied de page 5">
-            <a:extLst>
-              <a:ext uri="{FF2B5EF4-FFF2-40B4-BE49-F238E27FC236}">
-                <a16:creationId xmlns:a16="http://schemas.microsoft.com/office/drawing/2014/main" id="{DD1EB144-E253-42C7-AB06-DCBC27144782}"/>
-              </a:ext>
-            </a:extLst>
-          </p:cNvPr>
-          <p:cNvSpPr>
-            <a:spLocks noGrp="1"/>
-          </p:cNvSpPr>
-          <p:nvPr>
-            <p:ph type="ftr" sz="quarter" idx="11"/>
-          </p:nvPr>
-        </p:nvSpPr>
-        <p:spPr/>
-        <p:txBody>
-          <a:bodyPr/>
-          <a:lstStyle/>
-          <a:p>
-            <a:r>
-              <a:rPr lang="fr-FR"/>
-              <a:t>Alexandre Dazat - Julien Denize</a:t>
+              <a:t>05/03/2020</a:t>
             </a:r>
             <a:endParaRPr lang="fr-FR" dirty="0"/>
           </a:p>
@@ -15827,35 +15853,7 @@
           <a:p>
             <a:r>
               <a:rPr lang="fr-FR"/>
-              <a:t>25/02/2020</a:t>
-            </a:r>
-          </a:p>
-        </p:txBody>
-      </p:sp>
-      <p:sp>
-        <p:nvSpPr>
-          <p:cNvPr id="6" name="Espace réservé du pied de page 5">
-            <a:extLst>
-              <a:ext uri="{FF2B5EF4-FFF2-40B4-BE49-F238E27FC236}">
-                <a16:creationId xmlns:a16="http://schemas.microsoft.com/office/drawing/2014/main" id="{DD1EB144-E253-42C7-AB06-DCBC27144782}"/>
-              </a:ext>
-            </a:extLst>
-          </p:cNvPr>
-          <p:cNvSpPr>
-            <a:spLocks noGrp="1"/>
-          </p:cNvSpPr>
-          <p:nvPr>
-            <p:ph type="ftr" sz="quarter" idx="11"/>
-          </p:nvPr>
-        </p:nvSpPr>
-        <p:spPr/>
-        <p:txBody>
-          <a:bodyPr/>
-          <a:lstStyle/>
-          <a:p>
-            <a:r>
-              <a:rPr lang="fr-FR"/>
-              <a:t>Alexandre Dazat - Julien Denize</a:t>
+              <a:t>05/03/2020</a:t>
             </a:r>
             <a:endParaRPr lang="fr-FR" dirty="0"/>
           </a:p>
@@ -16199,36 +16197,7 @@
           <a:p>
             <a:r>
               <a:rPr lang="fr-FR"/>
-              <a:t>25/02/2020</a:t>
-            </a:r>
-            <a:endParaRPr lang="fr-FR" dirty="0"/>
-          </a:p>
-        </p:txBody>
-      </p:sp>
-      <p:sp>
-        <p:nvSpPr>
-          <p:cNvPr id="5" name="Espace réservé du pied de page 4">
-            <a:extLst>
-              <a:ext uri="{FF2B5EF4-FFF2-40B4-BE49-F238E27FC236}">
-                <a16:creationId xmlns:a16="http://schemas.microsoft.com/office/drawing/2014/main" id="{0A43E64B-142A-4AF8-8211-20B4976553F0}"/>
-              </a:ext>
-            </a:extLst>
-          </p:cNvPr>
-          <p:cNvSpPr>
-            <a:spLocks noGrp="1"/>
-          </p:cNvSpPr>
-          <p:nvPr>
-            <p:ph type="ftr" sz="quarter" idx="11"/>
-          </p:nvPr>
-        </p:nvSpPr>
-        <p:spPr/>
-        <p:txBody>
-          <a:bodyPr/>
-          <a:lstStyle/>
-          <a:p>
-            <a:r>
-              <a:rPr lang="fr-FR"/>
-              <a:t>Alexandre Dazat - Julien Denize</a:t>
+              <a:t>05/03/2020</a:t>
             </a:r>
             <a:endParaRPr lang="fr-FR" dirty="0"/>
           </a:p>
@@ -17175,7 +17144,7 @@
           <a:p>
             <a:r>
               <a:rPr lang="fr-FR"/>
-              <a:t>25/02/2020</a:t>
+              <a:t>05/03/2020</a:t>
             </a:r>
           </a:p>
         </p:txBody>
@@ -17306,35 +17275,7 @@
           <a:p>
             <a:r>
               <a:rPr lang="fr-FR"/>
-              <a:t>25/02/2020</a:t>
-            </a:r>
-          </a:p>
-        </p:txBody>
-      </p:sp>
-      <p:sp>
-        <p:nvSpPr>
-          <p:cNvPr id="6" name="Espace réservé du pied de page 5">
-            <a:extLst>
-              <a:ext uri="{FF2B5EF4-FFF2-40B4-BE49-F238E27FC236}">
-                <a16:creationId xmlns:a16="http://schemas.microsoft.com/office/drawing/2014/main" id="{DD1EB144-E253-42C7-AB06-DCBC27144782}"/>
-              </a:ext>
-            </a:extLst>
-          </p:cNvPr>
-          <p:cNvSpPr>
-            <a:spLocks noGrp="1"/>
-          </p:cNvSpPr>
-          <p:nvPr>
-            <p:ph type="ftr" sz="quarter" idx="11"/>
-          </p:nvPr>
-        </p:nvSpPr>
-        <p:spPr/>
-        <p:txBody>
-          <a:bodyPr/>
-          <a:lstStyle/>
-          <a:p>
-            <a:r>
-              <a:rPr lang="fr-FR"/>
-              <a:t>Alexandre Dazat - Julien Denize</a:t>
+              <a:t>05/03/2020</a:t>
             </a:r>
             <a:endParaRPr lang="fr-FR" dirty="0"/>
           </a:p>
@@ -17897,8 +17838,8 @@
           </a:p>
         </p:txBody>
       </p:sp>
-      <mc:AlternateContent xmlns:mc="http://schemas.openxmlformats.org/markup-compatibility/2006">
-        <mc:Choice xmlns:a14="http://schemas.microsoft.com/office/drawing/2010/main" Requires="a14">
+      <mc:AlternateContent xmlns:mc="http://schemas.openxmlformats.org/markup-compatibility/2006" xmlns:a14="http://schemas.microsoft.com/office/drawing/2010/main">
+        <mc:Choice Requires="a14">
           <p:sp>
             <p:nvSpPr>
               <p:cNvPr id="7" name="ZoneTexte 6">
@@ -18251,7 +18192,7 @@
             </p:txBody>
           </p:sp>
         </mc:Choice>
-        <mc:Fallback>
+        <mc:Fallback xmlns="">
           <p:sp>
             <p:nvSpPr>
               <p:cNvPr id="7" name="ZoneTexte 6">
@@ -18560,148 +18501,6 @@
           <a:chExt cx="0" cy="0"/>
         </a:xfrm>
       </p:grpSpPr>
-      <p:sp>
-        <p:nvSpPr>
-          <p:cNvPr id="2" name="Titre 1">
-            <a:extLst>
-              <a:ext uri="{FF2B5EF4-FFF2-40B4-BE49-F238E27FC236}">
-                <a16:creationId xmlns:a16="http://schemas.microsoft.com/office/drawing/2014/main" id="{25322014-F28D-453C-84F0-CEA236AE4E95}"/>
-              </a:ext>
-            </a:extLst>
-          </p:cNvPr>
-          <p:cNvSpPr>
-            <a:spLocks noGrp="1"/>
-          </p:cNvSpPr>
-          <p:nvPr>
-            <p:ph type="title"/>
-          </p:nvPr>
-        </p:nvSpPr>
-        <p:spPr>
-          <a:xfrm>
-            <a:off x="6239476" y="379441"/>
-            <a:ext cx="5754729" cy="1157930"/>
-          </a:xfrm>
-        </p:spPr>
-        <p:txBody>
-          <a:bodyPr>
-            <a:noAutofit/>
-          </a:bodyPr>
-          <a:lstStyle/>
-          <a:p>
-            <a:pPr algn="ctr"/>
-            <a:r>
-              <a:rPr lang="fr-FR" sz="3200" dirty="0"/>
-              <a:t>Génération du nombre de compétences requises pour </a:t>
-            </a:r>
-            <a:r>
-              <a:rPr lang="fr-FR" sz="3200" b="1" dirty="0"/>
-              <a:t>une offre </a:t>
-            </a:r>
-            <a:endParaRPr lang="fr-FR" sz="3200" dirty="0"/>
-          </a:p>
-        </p:txBody>
-      </p:sp>
-      <p:sp>
-        <p:nvSpPr>
-          <p:cNvPr id="3" name="Espace réservé du numéro de diapositive 2">
-            <a:extLst>
-              <a:ext uri="{FF2B5EF4-FFF2-40B4-BE49-F238E27FC236}">
-                <a16:creationId xmlns:a16="http://schemas.microsoft.com/office/drawing/2014/main" id="{B48597A9-F85E-4D94-BD3F-03FACB543F87}"/>
-              </a:ext>
-            </a:extLst>
-          </p:cNvPr>
-          <p:cNvSpPr>
-            <a:spLocks noGrp="1"/>
-          </p:cNvSpPr>
-          <p:nvPr>
-            <p:ph type="sldNum" sz="quarter" idx="12"/>
-          </p:nvPr>
-        </p:nvSpPr>
-        <p:spPr>
-          <a:xfrm>
-            <a:off x="8977172" y="6310312"/>
-            <a:ext cx="2743200" cy="365125"/>
-          </a:xfrm>
-        </p:spPr>
-        <p:txBody>
-          <a:bodyPr/>
-          <a:lstStyle/>
-          <a:p>
-            <a:fld id="{03CA54CA-1F78-4D6A-B39C-39344603B448}" type="slidenum">
-              <a:rPr lang="fr-FR" smtClean="0"/>
-              <a:t>3</a:t>
-            </a:fld>
-            <a:endParaRPr lang="fr-FR"/>
-          </a:p>
-        </p:txBody>
-      </p:sp>
-      <p:sp>
-        <p:nvSpPr>
-          <p:cNvPr id="4" name="Espace réservé de la date 3">
-            <a:extLst>
-              <a:ext uri="{FF2B5EF4-FFF2-40B4-BE49-F238E27FC236}">
-                <a16:creationId xmlns:a16="http://schemas.microsoft.com/office/drawing/2014/main" id="{23C6B221-4291-4A14-91D1-4A0AA20C2264}"/>
-              </a:ext>
-            </a:extLst>
-          </p:cNvPr>
-          <p:cNvSpPr>
-            <a:spLocks noGrp="1"/>
-          </p:cNvSpPr>
-          <p:nvPr>
-            <p:ph type="dt" sz="half" idx="10"/>
-          </p:nvPr>
-        </p:nvSpPr>
-        <p:spPr>
-          <a:xfrm>
-            <a:off x="838200" y="6356350"/>
-            <a:ext cx="2743200" cy="365125"/>
-          </a:xfrm>
-        </p:spPr>
-        <p:txBody>
-          <a:bodyPr/>
-          <a:lstStyle/>
-          <a:p>
-            <a:r>
-              <a:rPr lang="fr-FR"/>
-              <a:t>25/02/2020</a:t>
-            </a:r>
-          </a:p>
-        </p:txBody>
-      </p:sp>
-      <p:sp>
-        <p:nvSpPr>
-          <p:cNvPr id="6" name="Espace réservé du pied de page 5">
-            <a:extLst>
-              <a:ext uri="{FF2B5EF4-FFF2-40B4-BE49-F238E27FC236}">
-                <a16:creationId xmlns:a16="http://schemas.microsoft.com/office/drawing/2014/main" id="{DD1EB144-E253-42C7-AB06-DCBC27144782}"/>
-              </a:ext>
-            </a:extLst>
-          </p:cNvPr>
-          <p:cNvSpPr>
-            <a:spLocks noGrp="1"/>
-          </p:cNvSpPr>
-          <p:nvPr>
-            <p:ph type="ftr" sz="quarter" idx="11"/>
-          </p:nvPr>
-        </p:nvSpPr>
-        <p:spPr>
-          <a:xfrm>
-            <a:off x="4038600" y="6363516"/>
-            <a:ext cx="4114800" cy="365125"/>
-          </a:xfrm>
-        </p:spPr>
-        <p:txBody>
-          <a:bodyPr/>
-          <a:lstStyle/>
-          <a:p>
-            <a:r>
-              <a:rPr lang="fr-FR"/>
-              <a:t>Alexandre Dazat - Julien Denize</a:t>
-            </a:r>
-            <a:endParaRPr lang="fr-FR" dirty="0"/>
-          </a:p>
-        </p:txBody>
-      </p:sp>
       <mc:AlternateContent xmlns:mc="http://schemas.openxmlformats.org/markup-compatibility/2006">
         <mc:Choice xmlns:a14="http://schemas.microsoft.com/office/drawing/2010/main" Requires="a14">
           <p:sp>
@@ -18943,7 +18742,7 @@
                 <a:pPr algn="ctr"/>
                 <a:r>
                   <a:rPr lang="fr-FR" dirty="0"/>
-                  <a:t>Nombre de domaines de compétences par offre suivant une binomiale de paramètre </a:t>
+                  <a:t>Nombre de domaines de compétences par offre suivant une Bernoulli de paramètre </a:t>
                 </a:r>
                 <a14:m>
                   <m:oMath xmlns:m="http://schemas.openxmlformats.org/officeDocument/2006/math">
@@ -19494,6 +19293,115 @@
       </mc:AlternateContent>
       <p:sp>
         <p:nvSpPr>
+          <p:cNvPr id="2" name="Titre 1">
+            <a:extLst>
+              <a:ext uri="{FF2B5EF4-FFF2-40B4-BE49-F238E27FC236}">
+                <a16:creationId xmlns:a16="http://schemas.microsoft.com/office/drawing/2014/main" id="{25322014-F28D-453C-84F0-CEA236AE4E95}"/>
+              </a:ext>
+            </a:extLst>
+          </p:cNvPr>
+          <p:cNvSpPr>
+            <a:spLocks noGrp="1"/>
+          </p:cNvSpPr>
+          <p:nvPr>
+            <p:ph type="title"/>
+          </p:nvPr>
+        </p:nvSpPr>
+        <p:spPr>
+          <a:xfrm>
+            <a:off x="6239476" y="379441"/>
+            <a:ext cx="5754729" cy="1157930"/>
+          </a:xfrm>
+        </p:spPr>
+        <p:txBody>
+          <a:bodyPr>
+            <a:noAutofit/>
+          </a:bodyPr>
+          <a:lstStyle/>
+          <a:p>
+            <a:pPr algn="ctr"/>
+            <a:r>
+              <a:rPr lang="fr-FR" sz="3200" dirty="0"/>
+              <a:t>Génération du nombre de compétences requises pour </a:t>
+            </a:r>
+            <a:r>
+              <a:rPr lang="fr-FR" sz="3200" b="1" dirty="0"/>
+              <a:t>une offre </a:t>
+            </a:r>
+            <a:endParaRPr lang="fr-FR" sz="3200" dirty="0"/>
+          </a:p>
+        </p:txBody>
+      </p:sp>
+      <p:sp>
+        <p:nvSpPr>
+          <p:cNvPr id="3" name="Espace réservé du numéro de diapositive 2">
+            <a:extLst>
+              <a:ext uri="{FF2B5EF4-FFF2-40B4-BE49-F238E27FC236}">
+                <a16:creationId xmlns:a16="http://schemas.microsoft.com/office/drawing/2014/main" id="{B48597A9-F85E-4D94-BD3F-03FACB543F87}"/>
+              </a:ext>
+            </a:extLst>
+          </p:cNvPr>
+          <p:cNvSpPr>
+            <a:spLocks noGrp="1"/>
+          </p:cNvSpPr>
+          <p:nvPr>
+            <p:ph type="sldNum" sz="quarter" idx="12"/>
+          </p:nvPr>
+        </p:nvSpPr>
+        <p:spPr>
+          <a:xfrm>
+            <a:off x="8977172" y="6310312"/>
+            <a:ext cx="2743200" cy="365125"/>
+          </a:xfrm>
+        </p:spPr>
+        <p:txBody>
+          <a:bodyPr/>
+          <a:lstStyle/>
+          <a:p>
+            <a:fld id="{03CA54CA-1F78-4D6A-B39C-39344603B448}" type="slidenum">
+              <a:rPr lang="fr-FR" smtClean="0"/>
+              <a:t>3</a:t>
+            </a:fld>
+            <a:endParaRPr lang="fr-FR"/>
+          </a:p>
+        </p:txBody>
+      </p:sp>
+      <p:sp>
+        <p:nvSpPr>
+          <p:cNvPr id="4" name="Espace réservé de la date 3">
+            <a:extLst>
+              <a:ext uri="{FF2B5EF4-FFF2-40B4-BE49-F238E27FC236}">
+                <a16:creationId xmlns:a16="http://schemas.microsoft.com/office/drawing/2014/main" id="{23C6B221-4291-4A14-91D1-4A0AA20C2264}"/>
+              </a:ext>
+            </a:extLst>
+          </p:cNvPr>
+          <p:cNvSpPr>
+            <a:spLocks noGrp="1"/>
+          </p:cNvSpPr>
+          <p:nvPr>
+            <p:ph type="dt" sz="half" idx="10"/>
+          </p:nvPr>
+        </p:nvSpPr>
+        <p:spPr>
+          <a:xfrm>
+            <a:off x="838200" y="6356350"/>
+            <a:ext cx="2743200" cy="365125"/>
+          </a:xfrm>
+        </p:spPr>
+        <p:txBody>
+          <a:bodyPr/>
+          <a:lstStyle/>
+          <a:p>
+            <a:r>
+              <a:rPr lang="fr-FR"/>
+              <a:t>05/03/2020</a:t>
+            </a:r>
+            <a:endParaRPr lang="fr-FR" dirty="0"/>
+          </a:p>
+        </p:txBody>
+      </p:sp>
+      <p:sp>
+        <p:nvSpPr>
           <p:cNvPr id="5" name="Accolade fermante 4">
             <a:extLst>
               <a:ext uri="{FF2B5EF4-FFF2-40B4-BE49-F238E27FC236}">
@@ -19665,7 +19573,7 @@
             </p:nvSpPr>
             <p:spPr>
               <a:xfrm>
-                <a:off x="1728013" y="136525"/>
+                <a:off x="574788" y="273491"/>
                 <a:ext cx="5078054" cy="7204473"/>
               </a:xfrm>
               <a:prstGeom prst="rect">
@@ -19735,14 +19643,7 @@
                           <a:latin typeface="Cambria Math" panose="02040503050406030204" pitchFamily="18" charset="0"/>
                           <a:ea typeface="Cambria Math" panose="02040503050406030204" pitchFamily="18" charset="0"/>
                         </a:rPr>
-                        <m:t>[20,60</m:t>
-                      </m:r>
-                      <m:r>
-                        <a:rPr lang="fr-FR" i="1" dirty="0">
-                          <a:latin typeface="Cambria Math" panose="02040503050406030204" pitchFamily="18" charset="0"/>
-                          <a:ea typeface="Cambria Math" panose="02040503050406030204" pitchFamily="18" charset="0"/>
-                        </a:rPr>
-                        <m:t>]</m:t>
+                        <m:t>[20,60]</m:t>
                       </m:r>
                     </m:oMath>
                   </m:oMathPara>
@@ -19765,7 +19666,7 @@
                 </a:r>
                 <a:r>
                   <a:rPr lang="fr-FR" dirty="0"/>
-                  <a:t>par utilisateur suit une loi binomiale de paramètre </a:t>
+                  <a:t>par utilisateur suit une loi Bernoulli de paramètre </a:t>
                 </a:r>
                 <a14:m>
                   <m:oMath xmlns:m="http://schemas.openxmlformats.org/officeDocument/2006/math">
@@ -20489,7 +20390,7 @@
             </p:nvSpPr>
             <p:spPr>
               <a:xfrm>
-                <a:off x="1728013" y="136525"/>
+                <a:off x="574788" y="273491"/>
                 <a:ext cx="5078054" cy="7204473"/>
               </a:xfrm>
               <a:prstGeom prst="rect">
@@ -20498,7 +20399,7 @@
               <a:blipFill>
                 <a:blip r:embed="rId3"/>
                 <a:stretch>
-                  <a:fillRect t="-423" r="-31693"/>
+                  <a:fillRect t="-508" r="-31693"/>
                 </a:stretch>
               </a:blipFill>
             </p:spPr>
@@ -20579,40 +20480,7 @@
           <a:p>
             <a:r>
               <a:rPr lang="fr-FR"/>
-              <a:t>25/02/2020</a:t>
-            </a:r>
-          </a:p>
-        </p:txBody>
-      </p:sp>
-      <p:sp>
-        <p:nvSpPr>
-          <p:cNvPr id="6" name="Espace réservé du pied de page 5">
-            <a:extLst>
-              <a:ext uri="{FF2B5EF4-FFF2-40B4-BE49-F238E27FC236}">
-                <a16:creationId xmlns:a16="http://schemas.microsoft.com/office/drawing/2014/main" id="{DD1EB144-E253-42C7-AB06-DCBC27144782}"/>
-              </a:ext>
-            </a:extLst>
-          </p:cNvPr>
-          <p:cNvSpPr>
-            <a:spLocks noGrp="1"/>
-          </p:cNvSpPr>
-          <p:nvPr>
-            <p:ph type="ftr" sz="quarter" idx="11"/>
-          </p:nvPr>
-        </p:nvSpPr>
-        <p:spPr>
-          <a:xfrm>
-            <a:off x="4038600" y="6363516"/>
-            <a:ext cx="4114800" cy="365125"/>
-          </a:xfrm>
-        </p:spPr>
-        <p:txBody>
-          <a:bodyPr/>
-          <a:lstStyle/>
-          <a:p>
-            <a:r>
-              <a:rPr lang="fr-FR"/>
-              <a:t>Alexandre Dazat - Julien Denize</a:t>
+              <a:t>05/03/2020</a:t>
             </a:r>
             <a:endParaRPr lang="fr-FR" dirty="0"/>
           </a:p>
@@ -20947,42 +20815,14 @@
           <a:p>
             <a:r>
               <a:rPr lang="fr-FR"/>
-              <a:t>25/02/2020</a:t>
-            </a:r>
-          </a:p>
-        </p:txBody>
-      </p:sp>
-      <p:sp>
-        <p:nvSpPr>
-          <p:cNvPr id="6" name="Espace réservé du pied de page 5">
-            <a:extLst>
-              <a:ext uri="{FF2B5EF4-FFF2-40B4-BE49-F238E27FC236}">
-                <a16:creationId xmlns:a16="http://schemas.microsoft.com/office/drawing/2014/main" id="{DD1EB144-E253-42C7-AB06-DCBC27144782}"/>
-              </a:ext>
-            </a:extLst>
-          </p:cNvPr>
-          <p:cNvSpPr>
-            <a:spLocks noGrp="1"/>
-          </p:cNvSpPr>
-          <p:nvPr>
-            <p:ph type="ftr" sz="quarter" idx="11"/>
-          </p:nvPr>
-        </p:nvSpPr>
-        <p:spPr/>
-        <p:txBody>
-          <a:bodyPr/>
-          <a:lstStyle/>
-          <a:p>
-            <a:r>
-              <a:rPr lang="fr-FR"/>
-              <a:t>Alexandre Dazat - Julien Denize</a:t>
+              <a:t>05/03/2020</a:t>
             </a:r>
             <a:endParaRPr lang="fr-FR" dirty="0"/>
           </a:p>
         </p:txBody>
       </p:sp>
-      <mc:AlternateContent xmlns:mc="http://schemas.openxmlformats.org/markup-compatibility/2006">
-        <mc:Choice xmlns:a14="http://schemas.microsoft.com/office/drawing/2010/main" Requires="a14">
+      <mc:AlternateContent xmlns:mc="http://schemas.openxmlformats.org/markup-compatibility/2006" xmlns:a14="http://schemas.microsoft.com/office/drawing/2010/main">
+        <mc:Choice Requires="a14">
           <p:sp>
             <p:nvSpPr>
               <p:cNvPr id="7" name="ZoneTexte 6">
@@ -21203,7 +21043,7 @@
             </p:txBody>
           </p:sp>
         </mc:Choice>
-        <mc:Fallback>
+        <mc:Fallback xmlns="">
           <p:sp>
             <p:nvSpPr>
               <p:cNvPr id="7" name="ZoneTexte 6">
@@ -21419,8 +21259,8 @@
           </p:sp>
         </mc:Fallback>
       </mc:AlternateContent>
-      <mc:AlternateContent xmlns:mc="http://schemas.openxmlformats.org/markup-compatibility/2006">
-        <mc:Choice xmlns:a14="http://schemas.microsoft.com/office/drawing/2010/main" Requires="a14">
+      <mc:AlternateContent xmlns:mc="http://schemas.openxmlformats.org/markup-compatibility/2006" xmlns:a14="http://schemas.microsoft.com/office/drawing/2010/main">
+        <mc:Choice Requires="a14">
           <p:sp>
             <p:nvSpPr>
               <p:cNvPr id="16" name="ZoneTexte 15">
@@ -21436,7 +21276,7 @@
             <p:spPr>
               <a:xfrm>
                 <a:off x="2872610" y="3512688"/>
-                <a:ext cx="3549177" cy="331116"/>
+                <a:ext cx="3624454" cy="338875"/>
               </a:xfrm>
               <a:prstGeom prst="rect">
                 <a:avLst/>
@@ -21494,92 +21334,97 @@
                             </a:rPr>
                             <m:t>𝑎𝑡𝑐h</m:t>
                           </m:r>
-                          <m:r>
-                            <a:rPr lang="fr-FR" sz="1400" b="0" i="1" smtClean="0">
-                              <a:latin typeface="Cambria Math" panose="02040503050406030204" pitchFamily="18" charset="0"/>
-                              <a:ea typeface="Cambria Math" panose="02040503050406030204" pitchFamily="18" charset="0"/>
-                            </a:rPr>
-                            <m:t>(</m:t>
-                          </m:r>
-                          <m:r>
-                            <a:rPr lang="fr-FR" sz="1400" b="0" i="1" smtClean="0">
-                              <a:latin typeface="Cambria Math" panose="02040503050406030204" pitchFamily="18" charset="0"/>
-                              <a:ea typeface="Cambria Math" panose="02040503050406030204" pitchFamily="18" charset="0"/>
-                            </a:rPr>
-                            <m:t>𝑢𝑠𝑒</m:t>
-                          </m:r>
-                          <m:sSub>
-                            <m:sSubPr>
+                          <m:d>
+                            <m:dPr>
                               <m:ctrlPr>
                                 <a:rPr lang="fr-FR" sz="1400" b="0" i="1" smtClean="0">
                                   <a:latin typeface="Cambria Math" panose="02040503050406030204" pitchFamily="18" charset="0"/>
                                   <a:ea typeface="Cambria Math" panose="02040503050406030204" pitchFamily="18" charset="0"/>
                                 </a:rPr>
                               </m:ctrlPr>
-                            </m:sSubPr>
+                            </m:dPr>
                             <m:e>
                               <m:r>
                                 <a:rPr lang="fr-FR" sz="1400" b="0" i="1" smtClean="0">
                                   <a:latin typeface="Cambria Math" panose="02040503050406030204" pitchFamily="18" charset="0"/>
                                   <a:ea typeface="Cambria Math" panose="02040503050406030204" pitchFamily="18" charset="0"/>
                                 </a:rPr>
-                                <m:t>𝑟</m:t>
+                                <m:t>𝑢𝑠𝑒</m:t>
                               </m:r>
-                            </m:e>
-                            <m:sub>
+                              <m:sSub>
+                                <m:sSubPr>
+                                  <m:ctrlPr>
+                                    <a:rPr lang="fr-FR" sz="1400" b="0" i="1" smtClean="0">
+                                      <a:latin typeface="Cambria Math" panose="02040503050406030204" pitchFamily="18" charset="0"/>
+                                      <a:ea typeface="Cambria Math" panose="02040503050406030204" pitchFamily="18" charset="0"/>
+                                    </a:rPr>
+                                  </m:ctrlPr>
+                                </m:sSubPr>
+                                <m:e>
+                                  <m:r>
+                                    <a:rPr lang="fr-FR" sz="1400" b="0" i="1" smtClean="0">
+                                      <a:latin typeface="Cambria Math" panose="02040503050406030204" pitchFamily="18" charset="0"/>
+                                      <a:ea typeface="Cambria Math" panose="02040503050406030204" pitchFamily="18" charset="0"/>
+                                    </a:rPr>
+                                    <m:t>𝑟</m:t>
+                                  </m:r>
+                                </m:e>
+                                <m:sub>
+                                  <m:r>
+                                    <a:rPr lang="fr-FR" sz="1400" b="0" i="1" smtClean="0">
+                                      <a:latin typeface="Cambria Math" panose="02040503050406030204" pitchFamily="18" charset="0"/>
+                                      <a:ea typeface="Cambria Math" panose="02040503050406030204" pitchFamily="18" charset="0"/>
+                                    </a:rPr>
+                                    <m:t>𝑑𝑜𝑚𝑎𝑖𝑛𝑠</m:t>
+                                  </m:r>
+                                </m:sub>
+                              </m:sSub>
                               <m:r>
                                 <a:rPr lang="fr-FR" sz="1400" b="0" i="1" smtClean="0">
                                   <a:latin typeface="Cambria Math" panose="02040503050406030204" pitchFamily="18" charset="0"/>
                                   <a:ea typeface="Cambria Math" panose="02040503050406030204" pitchFamily="18" charset="0"/>
                                 </a:rPr>
-                                <m:t>𝑑𝑜𝑚𝑎𝑖𝑛𝑠</m:t>
+                                <m:t> , </m:t>
                               </m:r>
-                            </m:sub>
-                          </m:sSub>
-                          <m:r>
-                            <a:rPr lang="fr-FR" sz="1400" b="0" i="1" smtClean="0">
-                              <a:latin typeface="Cambria Math" panose="02040503050406030204" pitchFamily="18" charset="0"/>
-                              <a:ea typeface="Cambria Math" panose="02040503050406030204" pitchFamily="18" charset="0"/>
-                            </a:rPr>
-                            <m:t> , </m:t>
-                          </m:r>
-                          <m:r>
-                            <a:rPr lang="fr-FR" sz="1400" b="0" i="1" smtClean="0">
-                              <a:latin typeface="Cambria Math" panose="02040503050406030204" pitchFamily="18" charset="0"/>
-                              <a:ea typeface="Cambria Math" panose="02040503050406030204" pitchFamily="18" charset="0"/>
-                            </a:rPr>
-                            <m:t>𝑜𝑓𝑓𝑒</m:t>
-                          </m:r>
-                          <m:sSub>
-                            <m:sSubPr>
-                              <m:ctrlPr>
-                                <a:rPr lang="fr-FR" sz="1400" b="0" i="1" smtClean="0">
-                                  <a:latin typeface="Cambria Math" panose="02040503050406030204" pitchFamily="18" charset="0"/>
-                                  <a:ea typeface="Cambria Math" panose="02040503050406030204" pitchFamily="18" charset="0"/>
-                                </a:rPr>
-                              </m:ctrlPr>
-                            </m:sSubPr>
-                            <m:e>
                               <m:r>
                                 <a:rPr lang="fr-FR" sz="1400" b="0" i="1" smtClean="0">
                                   <a:latin typeface="Cambria Math" panose="02040503050406030204" pitchFamily="18" charset="0"/>
                                   <a:ea typeface="Cambria Math" panose="02040503050406030204" pitchFamily="18" charset="0"/>
                                 </a:rPr>
-                                <m:t>𝑟</m:t>
+                                <m:t>𝑜𝑓𝑓𝑒</m:t>
                               </m:r>
+                              <m:sSub>
+                                <m:sSubPr>
+                                  <m:ctrlPr>
+                                    <a:rPr lang="fr-FR" sz="1400" b="0" i="1" smtClean="0">
+                                      <a:latin typeface="Cambria Math" panose="02040503050406030204" pitchFamily="18" charset="0"/>
+                                      <a:ea typeface="Cambria Math" panose="02040503050406030204" pitchFamily="18" charset="0"/>
+                                    </a:rPr>
+                                  </m:ctrlPr>
+                                </m:sSubPr>
+                                <m:e>
+                                  <m:r>
+                                    <a:rPr lang="fr-FR" sz="1400" b="0" i="1" smtClean="0">
+                                      <a:latin typeface="Cambria Math" panose="02040503050406030204" pitchFamily="18" charset="0"/>
+                                      <a:ea typeface="Cambria Math" panose="02040503050406030204" pitchFamily="18" charset="0"/>
+                                    </a:rPr>
+                                    <m:t>𝑟</m:t>
+                                  </m:r>
+                                </m:e>
+                                <m:sub>
+                                  <m:r>
+                                    <a:rPr lang="fr-FR" sz="1400" b="0" i="1" smtClean="0">
+                                      <a:latin typeface="Cambria Math" panose="02040503050406030204" pitchFamily="18" charset="0"/>
+                                      <a:ea typeface="Cambria Math" panose="02040503050406030204" pitchFamily="18" charset="0"/>
+                                    </a:rPr>
+                                    <m:t>𝑑𝑜𝑚𝑎𝑖𝑛𝑠</m:t>
+                                  </m:r>
+                                </m:sub>
+                              </m:sSub>
                             </m:e>
-                            <m:sub>
-                              <m:r>
-                                <a:rPr lang="fr-FR" sz="1400" b="0" i="1" smtClean="0">
-                                  <a:latin typeface="Cambria Math" panose="02040503050406030204" pitchFamily="18" charset="0"/>
-                                  <a:ea typeface="Cambria Math" panose="02040503050406030204" pitchFamily="18" charset="0"/>
-                                </a:rPr>
-                                <m:t>𝑑𝑜𝑚𝑎𝑖𝑛𝑠</m:t>
-                              </m:r>
-                            </m:sub>
-                          </m:sSub>
+                          </m:d>
                           <m:r>
-                            <a:rPr lang="fr-FR" sz="1400" i="1">
+                            <a:rPr lang="fr-FR" sz="1400" b="0" i="1" smtClean="0">
                               <a:latin typeface="Cambria Math" panose="02040503050406030204" pitchFamily="18" charset="0"/>
                               <a:ea typeface="Cambria Math" panose="02040503050406030204" pitchFamily="18" charset="0"/>
                             </a:rPr>
@@ -21604,7 +21449,7 @@
             </p:txBody>
           </p:sp>
         </mc:Choice>
-        <mc:Fallback>
+        <mc:Fallback xmlns="">
           <p:sp>
             <p:nvSpPr>
               <p:cNvPr id="16" name="ZoneTexte 15">
@@ -21622,7 +21467,7 @@
             <p:spPr>
               <a:xfrm>
                 <a:off x="2872610" y="3512688"/>
-                <a:ext cx="3549177" cy="331116"/>
+                <a:ext cx="3624454" cy="338875"/>
               </a:xfrm>
               <a:prstGeom prst="rect">
                 <a:avLst/>
@@ -21630,7 +21475,7 @@
               <a:blipFill>
                 <a:blip r:embed="rId5"/>
                 <a:stretch>
-                  <a:fillRect l="-515" t="-121818" r="-9622" b="-200000"/>
+                  <a:fillRect l="-504" t="-119643" r="-9244" b="-194643"/>
                 </a:stretch>
               </a:blipFill>
             </p:spPr>
@@ -21649,8 +21494,8 @@
           </p:sp>
         </mc:Fallback>
       </mc:AlternateContent>
-      <mc:AlternateContent xmlns:mc="http://schemas.openxmlformats.org/markup-compatibility/2006">
-        <mc:Choice xmlns:a14="http://schemas.microsoft.com/office/drawing/2010/main" Requires="a14">
+      <mc:AlternateContent xmlns:mc="http://schemas.openxmlformats.org/markup-compatibility/2006" xmlns:a14="http://schemas.microsoft.com/office/drawing/2010/main">
+        <mc:Choice Requires="a14">
           <p:sp>
             <p:nvSpPr>
               <p:cNvPr id="17" name="ZoneTexte 16">
@@ -21803,7 +21648,7 @@
             </p:txBody>
           </p:sp>
         </mc:Choice>
-        <mc:Fallback>
+        <mc:Fallback xmlns="">
           <p:sp>
             <p:nvSpPr>
               <p:cNvPr id="17" name="ZoneTexte 16">
@@ -22043,8 +21888,8 @@
           </p:sp>
         </mc:Fallback>
       </mc:AlternateContent>
-      <mc:AlternateContent xmlns:mc="http://schemas.openxmlformats.org/markup-compatibility/2006" xmlns:a14="http://schemas.microsoft.com/office/drawing/2010/main">
-        <mc:Choice Requires="a14">
+      <mc:AlternateContent xmlns:mc="http://schemas.openxmlformats.org/markup-compatibility/2006">
+        <mc:Choice xmlns:a14="http://schemas.microsoft.com/office/drawing/2010/main" Requires="a14">
           <p:sp>
             <p:nvSpPr>
               <p:cNvPr id="21" name="ZoneTexte 20">
@@ -22059,8 +21904,8 @@
             </p:nvSpPr>
             <p:spPr>
               <a:xfrm>
-                <a:off x="-1671960" y="4297752"/>
-                <a:ext cx="8966010" cy="232051"/>
+                <a:off x="-1136939" y="4308426"/>
+                <a:ext cx="8966010" cy="236668"/>
               </a:xfrm>
               <a:prstGeom prst="rect">
                 <a:avLst/>
@@ -22202,35 +22047,54 @@
                         </a:rPr>
                         <m:t> </m:t>
                       </m:r>
-                      <m:d>
-                        <m:dPr>
+                      <m:sSup>
+                        <m:sSupPr>
                           <m:ctrlPr>
-                            <a:rPr lang="fr-FR" sz="1400" i="1">
+                            <a:rPr lang="fr-FR" sz="1400" b="0" i="0" smtClean="0">
                               <a:latin typeface="Cambria Math" panose="02040503050406030204" pitchFamily="18" charset="0"/>
                             </a:rPr>
                           </m:ctrlPr>
-                        </m:dPr>
+                        </m:sSupPr>
                         <m:e>
+                          <m:d>
+                            <m:dPr>
+                              <m:ctrlPr>
+                                <a:rPr lang="fr-FR" sz="1400" i="1">
+                                  <a:latin typeface="Cambria Math" panose="02040503050406030204" pitchFamily="18" charset="0"/>
+                                </a:rPr>
+                              </m:ctrlPr>
+                            </m:dPr>
+                            <m:e>
+                              <m:r>
+                                <a:rPr lang="fr-FR" sz="1400" i="1">
+                                  <a:latin typeface="Cambria Math" panose="02040503050406030204" pitchFamily="18" charset="0"/>
+                                </a:rPr>
+                                <m:t>𝑢𝑠𝑒𝑟</m:t>
+                              </m:r>
+                              <m:r>
+                                <a:rPr lang="fr-FR" sz="1400" i="1">
+                                  <a:latin typeface="Cambria Math" panose="02040503050406030204" pitchFamily="18" charset="0"/>
+                                </a:rPr>
+                                <m:t>, </m:t>
+                              </m:r>
+                              <m:r>
+                                <a:rPr lang="fr-FR" sz="1400" i="1">
+                                  <a:latin typeface="Cambria Math" panose="02040503050406030204" pitchFamily="18" charset="0"/>
+                                </a:rPr>
+                                <m:t>𝑜𝑓𝑓𝑒𝑟</m:t>
+                              </m:r>
+                            </m:e>
+                          </m:d>
+                        </m:e>
+                        <m:sup>
                           <m:r>
-                            <a:rPr lang="fr-FR" sz="1400" i="1">
+                            <a:rPr lang="fr-FR" sz="1400" b="0" i="0" smtClean="0">
                               <a:latin typeface="Cambria Math" panose="02040503050406030204" pitchFamily="18" charset="0"/>
                             </a:rPr>
-                            <m:t>𝑢𝑠𝑒𝑟</m:t>
+                            <m:t>2</m:t>
                           </m:r>
-                          <m:r>
-                            <a:rPr lang="fr-FR" sz="1400" i="1">
-                              <a:latin typeface="Cambria Math" panose="02040503050406030204" pitchFamily="18" charset="0"/>
-                            </a:rPr>
-                            <m:t>, </m:t>
-                          </m:r>
-                          <m:r>
-                            <a:rPr lang="fr-FR" sz="1400" i="1">
-                              <a:latin typeface="Cambria Math" panose="02040503050406030204" pitchFamily="18" charset="0"/>
-                            </a:rPr>
-                            <m:t>𝑜𝑓𝑓𝑒𝑟</m:t>
-                          </m:r>
-                        </m:e>
-                      </m:d>
+                        </m:sup>
+                      </m:sSup>
                     </m:oMath>
                   </m:oMathPara>
                 </a14:m>
@@ -22239,7 +22103,7 @@
             </p:txBody>
           </p:sp>
         </mc:Choice>
-        <mc:Fallback xmlns="">
+        <mc:Fallback>
           <p:sp>
             <p:nvSpPr>
               <p:cNvPr id="21" name="ZoneTexte 20">
@@ -22256,8 +22120,8 @@
             </p:nvSpPr>
             <p:spPr>
               <a:xfrm>
-                <a:off x="-1671960" y="4297752"/>
-                <a:ext cx="8966010" cy="232051"/>
+                <a:off x="-1136939" y="4308426"/>
+                <a:ext cx="8966010" cy="236668"/>
               </a:xfrm>
               <a:prstGeom prst="rect">
                 <a:avLst/>
@@ -22265,7 +22129,7 @@
               <a:blipFill>
                 <a:blip r:embed="rId8"/>
                 <a:stretch>
-                  <a:fillRect b="-26316"/>
+                  <a:fillRect b="-20513"/>
                 </a:stretch>
               </a:blipFill>
             </p:spPr>
@@ -22284,8 +22148,8 @@
           </p:sp>
         </mc:Fallback>
       </mc:AlternateContent>
-      <mc:AlternateContent xmlns:mc="http://schemas.openxmlformats.org/markup-compatibility/2006" xmlns:a14="http://schemas.microsoft.com/office/drawing/2010/main">
-        <mc:Choice Requires="a14">
+      <mc:AlternateContent xmlns:mc="http://schemas.openxmlformats.org/markup-compatibility/2006">
+        <mc:Choice xmlns:a14="http://schemas.microsoft.com/office/drawing/2010/main" Requires="a14">
           <p:sp>
             <p:nvSpPr>
               <p:cNvPr id="22" name="ZoneTexte 21">
@@ -22301,7 +22165,7 @@
             <p:spPr>
               <a:xfrm>
                 <a:off x="233416" y="4624177"/>
-                <a:ext cx="8966010" cy="542906"/>
+                <a:ext cx="8966010" cy="628570"/>
               </a:xfrm>
               <a:prstGeom prst="rect">
                 <a:avLst/>
@@ -22342,64 +22206,48 @@
                               <a:latin typeface="Cambria Math" panose="02040503050406030204" pitchFamily="18" charset="0"/>
                               <a:ea typeface="Cambria Math" panose="02040503050406030204" pitchFamily="18" charset="0"/>
                             </a:rPr>
-                            <m:t>∙( 1 − </m:t>
+                            <m:t>∙</m:t>
                           </m:r>
-                          <m:f>
-                            <m:fPr>
+                          <m:d>
+                            <m:dPr>
                               <m:ctrlPr>
                                 <a:rPr lang="fr-FR" sz="1400" i="1">
                                   <a:latin typeface="Cambria Math" panose="02040503050406030204" pitchFamily="18" charset="0"/>
                                   <a:ea typeface="Cambria Math" panose="02040503050406030204" pitchFamily="18" charset="0"/>
                                 </a:rPr>
                               </m:ctrlPr>
-                            </m:fPr>
-                            <m:num>
+                            </m:dPr>
+                            <m:e>
                               <m:r>
                                 <a:rPr lang="fr-FR" sz="1400" i="1">
                                   <a:latin typeface="Cambria Math" panose="02040503050406030204" pitchFamily="18" charset="0"/>
                                   <a:ea typeface="Cambria Math" panose="02040503050406030204" pitchFamily="18" charset="0"/>
                                 </a:rPr>
-                                <m:t>1</m:t>
+                                <m:t> 1 − </m:t>
                               </m:r>
-                            </m:num>
-                            <m:den>
-                              <m:nary>
-                                <m:naryPr>
-                                  <m:chr m:val="∑"/>
-                                  <m:limLoc m:val="subSup"/>
-                                  <m:supHide m:val="on"/>
+                              <m:f>
+                                <m:fPr>
                                   <m:ctrlPr>
                                     <a:rPr lang="fr-FR" sz="1400" i="1">
                                       <a:latin typeface="Cambria Math" panose="02040503050406030204" pitchFamily="18" charset="0"/>
                                       <a:ea typeface="Cambria Math" panose="02040503050406030204" pitchFamily="18" charset="0"/>
                                     </a:rPr>
                                   </m:ctrlPr>
-                                </m:naryPr>
-                                <m:sub>
-                                  <m:r>
-                                    <m:rPr>
-                                      <m:brk m:alnAt="9"/>
-                                    </m:rPr>
-                                    <a:rPr lang="fr-FR" sz="1400" i="1">
-                                      <a:latin typeface="Cambria Math" panose="02040503050406030204" pitchFamily="18" charset="0"/>
-                                      <a:ea typeface="Cambria Math" panose="02040503050406030204" pitchFamily="18" charset="0"/>
-                                    </a:rPr>
-                                    <m:t>𝑢</m:t>
-                                  </m:r>
+                                </m:fPr>
+                                <m:num>
                                   <m:r>
                                     <a:rPr lang="fr-FR" sz="1400" i="1">
                                       <a:latin typeface="Cambria Math" panose="02040503050406030204" pitchFamily="18" charset="0"/>
                                       <a:ea typeface="Cambria Math" panose="02040503050406030204" pitchFamily="18" charset="0"/>
                                     </a:rPr>
-                                    <m:t>𝑠𝑒𝑟</m:t>
+                                    <m:t>1</m:t>
                                   </m:r>
-                                </m:sub>
-                                <m:sup/>
-                                <m:e>
+                                </m:num>
+                                <m:den>
                                   <m:nary>
                                     <m:naryPr>
-                                      <m:chr m:val="⋂"/>
-                                      <m:subHide m:val="on"/>
+                                      <m:chr m:val="∑"/>
+                                      <m:limLoc m:val="subSup"/>
                                       <m:supHide m:val="on"/>
                                       <m:ctrlPr>
                                         <a:rPr lang="fr-FR" sz="1400" i="1">
@@ -22408,54 +22256,166 @@
                                         </a:rPr>
                                       </m:ctrlPr>
                                     </m:naryPr>
-                                    <m:sub/>
+                                    <m:sub>
+                                      <m:r>
+                                        <m:rPr>
+                                          <m:brk m:alnAt="9"/>
+                                        </m:rPr>
+                                        <a:rPr lang="fr-FR" sz="1400" i="1">
+                                          <a:latin typeface="Cambria Math" panose="02040503050406030204" pitchFamily="18" charset="0"/>
+                                          <a:ea typeface="Cambria Math" panose="02040503050406030204" pitchFamily="18" charset="0"/>
+                                        </a:rPr>
+                                        <m:t>𝑢</m:t>
+                                      </m:r>
+                                      <m:r>
+                                        <a:rPr lang="fr-FR" sz="1400" i="1">
+                                          <a:latin typeface="Cambria Math" panose="02040503050406030204" pitchFamily="18" charset="0"/>
+                                          <a:ea typeface="Cambria Math" panose="02040503050406030204" pitchFamily="18" charset="0"/>
+                                        </a:rPr>
+                                        <m:t>𝑠𝑒𝑟</m:t>
+                                      </m:r>
+                                      <m:r>
+                                        <a:rPr lang="fr-FR" sz="1400" b="0" i="1" smtClean="0">
+                                          <a:latin typeface="Cambria Math" panose="02040503050406030204" pitchFamily="18" charset="0"/>
+                                          <a:ea typeface="Cambria Math" panose="02040503050406030204" pitchFamily="18" charset="0"/>
+                                        </a:rPr>
+                                        <m:t>∗</m:t>
+                                      </m:r>
+                                    </m:sub>
                                     <m:sup/>
                                     <m:e>
-                                      <m:d>
-                                        <m:dPr>
+                                      <m:nary>
+                                        <m:naryPr>
+                                          <m:chr m:val="⋂"/>
+                                          <m:subHide m:val="on"/>
+                                          <m:supHide m:val="on"/>
                                           <m:ctrlPr>
                                             <a:rPr lang="fr-FR" sz="1400" i="1">
                                               <a:latin typeface="Cambria Math" panose="02040503050406030204" pitchFamily="18" charset="0"/>
                                               <a:ea typeface="Cambria Math" panose="02040503050406030204" pitchFamily="18" charset="0"/>
                                             </a:rPr>
                                           </m:ctrlPr>
-                                        </m:dPr>
+                                        </m:naryPr>
+                                        <m:sub/>
+                                        <m:sup/>
                                         <m:e>
-                                          <m:r>
-                                            <a:rPr lang="fr-FR" sz="1400" i="1">
-                                              <a:latin typeface="Cambria Math" panose="02040503050406030204" pitchFamily="18" charset="0"/>
-                                              <a:ea typeface="Cambria Math" panose="02040503050406030204" pitchFamily="18" charset="0"/>
-                                            </a:rPr>
-                                            <m:t>𝑒𝑛𝑡𝑟𝑒𝑝𝑟𝑖𝑠𝑒</m:t>
-                                          </m:r>
-                                          <m:r>
-                                            <a:rPr lang="fr-FR" sz="1400" i="1">
-                                              <a:latin typeface="Cambria Math" panose="02040503050406030204" pitchFamily="18" charset="0"/>
-                                              <a:ea typeface="Cambria Math" panose="02040503050406030204" pitchFamily="18" charset="0"/>
-                                            </a:rPr>
-                                            <m:t> , </m:t>
-                                          </m:r>
-                                          <m:r>
-                                            <a:rPr lang="fr-FR" sz="1400" i="1">
-                                              <a:latin typeface="Cambria Math" panose="02040503050406030204" pitchFamily="18" charset="0"/>
-                                              <a:ea typeface="Cambria Math" panose="02040503050406030204" pitchFamily="18" charset="0"/>
-                                            </a:rPr>
-                                            <m:t>𝑐𝑜𝑚𝑝𝑎𝑛𝑦</m:t>
-                                          </m:r>
+                                          <m:d>
+                                            <m:dPr>
+                                              <m:ctrlPr>
+                                                <a:rPr lang="fr-FR" sz="1400" i="1">
+                                                  <a:latin typeface="Cambria Math" panose="02040503050406030204" pitchFamily="18" charset="0"/>
+                                                  <a:ea typeface="Cambria Math" panose="02040503050406030204" pitchFamily="18" charset="0"/>
+                                                </a:rPr>
+                                              </m:ctrlPr>
+                                            </m:dPr>
+                                            <m:e>
+                                              <m:r>
+                                                <a:rPr lang="fr-FR" sz="1400" i="1">
+                                                  <a:latin typeface="Cambria Math" panose="02040503050406030204" pitchFamily="18" charset="0"/>
+                                                  <a:ea typeface="Cambria Math" panose="02040503050406030204" pitchFamily="18" charset="0"/>
+                                                </a:rPr>
+                                                <m:t>𝑒𝑛𝑡𝑟𝑒𝑝𝑟𝑖𝑠</m:t>
+                                              </m:r>
+                                              <m:sSub>
+                                                <m:sSubPr>
+                                                  <m:ctrlPr>
+                                                    <a:rPr lang="fr-FR" sz="1400" b="0" i="1" smtClean="0">
+                                                      <a:latin typeface="Cambria Math" panose="02040503050406030204" pitchFamily="18" charset="0"/>
+                                                      <a:ea typeface="Cambria Math" panose="02040503050406030204" pitchFamily="18" charset="0"/>
+                                                    </a:rPr>
+                                                  </m:ctrlPr>
+                                                </m:sSubPr>
+                                                <m:e>
+                                                  <m:r>
+                                                    <a:rPr lang="fr-FR" sz="1400" i="1">
+                                                      <a:latin typeface="Cambria Math" panose="02040503050406030204" pitchFamily="18" charset="0"/>
+                                                      <a:ea typeface="Cambria Math" panose="02040503050406030204" pitchFamily="18" charset="0"/>
+                                                    </a:rPr>
+                                                    <m:t>𝑒</m:t>
+                                                  </m:r>
+                                                </m:e>
+                                                <m:sub>
+                                                  <m:r>
+                                                    <a:rPr lang="fr-FR" sz="1400" b="0" i="1" smtClean="0">
+                                                      <a:latin typeface="Cambria Math" panose="02040503050406030204" pitchFamily="18" charset="0"/>
+                                                      <a:ea typeface="Cambria Math" panose="02040503050406030204" pitchFamily="18" charset="0"/>
+                                                    </a:rPr>
+                                                    <m:t>𝑢𝑠𝑒𝑟𝑠</m:t>
+                                                  </m:r>
+                                                  <m:r>
+                                                    <a:rPr lang="fr-FR" sz="1400" b="0" i="1" smtClean="0">
+                                                      <a:latin typeface="Cambria Math" panose="02040503050406030204" pitchFamily="18" charset="0"/>
+                                                      <a:ea typeface="Cambria Math" panose="02040503050406030204" pitchFamily="18" charset="0"/>
+                                                    </a:rPr>
+                                                    <m:t>∗</m:t>
+                                                  </m:r>
+                                                </m:sub>
+                                              </m:sSub>
+                                              <m:r>
+                                                <a:rPr lang="fr-FR" sz="1400" i="1">
+                                                  <a:latin typeface="Cambria Math" panose="02040503050406030204" pitchFamily="18" charset="0"/>
+                                                  <a:ea typeface="Cambria Math" panose="02040503050406030204" pitchFamily="18" charset="0"/>
+                                                </a:rPr>
+                                                <m:t> , </m:t>
+                                              </m:r>
+                                              <m:r>
+                                                <a:rPr lang="fr-FR" sz="1400" i="1">
+                                                  <a:latin typeface="Cambria Math" panose="02040503050406030204" pitchFamily="18" charset="0"/>
+                                                  <a:ea typeface="Cambria Math" panose="02040503050406030204" pitchFamily="18" charset="0"/>
+                                                </a:rPr>
+                                                <m:t>𝑐𝑜𝑚𝑝𝑎𝑛</m:t>
+                                              </m:r>
+                                              <m:sSub>
+                                                <m:sSubPr>
+                                                  <m:ctrlPr>
+                                                    <a:rPr lang="fr-FR" sz="1400" b="0" i="1" smtClean="0">
+                                                      <a:latin typeface="Cambria Math" panose="02040503050406030204" pitchFamily="18" charset="0"/>
+                                                      <a:ea typeface="Cambria Math" panose="02040503050406030204" pitchFamily="18" charset="0"/>
+                                                    </a:rPr>
+                                                  </m:ctrlPr>
+                                                </m:sSubPr>
+                                                <m:e>
+                                                  <m:r>
+                                                    <a:rPr lang="fr-FR" sz="1400" i="1">
+                                                      <a:latin typeface="Cambria Math" panose="02040503050406030204" pitchFamily="18" charset="0"/>
+                                                      <a:ea typeface="Cambria Math" panose="02040503050406030204" pitchFamily="18" charset="0"/>
+                                                    </a:rPr>
+                                                    <m:t>𝑦</m:t>
+                                                  </m:r>
+                                                </m:e>
+                                                <m:sub>
+                                                  <m:r>
+                                                    <a:rPr lang="fr-FR" sz="1400" b="0" i="1" smtClean="0">
+                                                      <a:latin typeface="Cambria Math" panose="02040503050406030204" pitchFamily="18" charset="0"/>
+                                                      <a:ea typeface="Cambria Math" panose="02040503050406030204" pitchFamily="18" charset="0"/>
+                                                    </a:rPr>
+                                                    <m:t>𝑜𝑓𝑓𝑒𝑟</m:t>
+                                                  </m:r>
+                                                </m:sub>
+                                              </m:sSub>
+                                            </m:e>
+                                          </m:d>
                                         </m:e>
-                                      </m:d>
+                                      </m:nary>
                                     </m:e>
                                   </m:nary>
-                                </m:e>
-                              </m:nary>
-                            </m:den>
-                          </m:f>
+                                </m:den>
+                              </m:f>
+                              <m:r>
+                                <a:rPr lang="fr-FR" sz="1400" i="1">
+                                  <a:latin typeface="Cambria Math" panose="02040503050406030204" pitchFamily="18" charset="0"/>
+                                  <a:ea typeface="Cambria Math" panose="02040503050406030204" pitchFamily="18" charset="0"/>
+                                </a:rPr>
+                                <m:t> </m:t>
+                              </m:r>
+                            </m:e>
+                          </m:d>
                           <m:r>
-                            <a:rPr lang="fr-FR" sz="1400" i="1">
+                            <a:rPr lang="fr-FR" sz="1400" b="0" i="1" smtClean="0">
                               <a:latin typeface="Cambria Math" panose="02040503050406030204" pitchFamily="18" charset="0"/>
                               <a:ea typeface="Cambria Math" panose="02040503050406030204" pitchFamily="18" charset="0"/>
                             </a:rPr>
-                            <m:t> )</m:t>
+                            <m:t>)</m:t>
                           </m:r>
                         </m:num>
                         <m:den>
@@ -22475,7 +22435,7 @@
             </p:txBody>
           </p:sp>
         </mc:Choice>
-        <mc:Fallback xmlns="">
+        <mc:Fallback>
           <p:sp>
             <p:nvSpPr>
               <p:cNvPr id="22" name="ZoneTexte 21">
@@ -22493,7 +22453,7 @@
             <p:spPr>
               <a:xfrm>
                 <a:off x="233416" y="4624177"/>
-                <a:ext cx="8966010" cy="542906"/>
+                <a:ext cx="8966010" cy="628570"/>
               </a:xfrm>
               <a:prstGeom prst="rect">
                 <a:avLst/>
@@ -22556,8 +22516,8 @@
           </a:fontRef>
         </p:style>
       </p:cxnSp>
-      <mc:AlternateContent xmlns:mc="http://schemas.openxmlformats.org/markup-compatibility/2006">
-        <mc:Choice xmlns:a14="http://schemas.microsoft.com/office/drawing/2010/main" Requires="a14">
+      <mc:AlternateContent xmlns:mc="http://schemas.openxmlformats.org/markup-compatibility/2006" xmlns:a14="http://schemas.microsoft.com/office/drawing/2010/main">
+        <mc:Choice Requires="a14">
           <p:sp>
             <p:nvSpPr>
               <p:cNvPr id="24" name="ZoneTexte 23">
@@ -22727,7 +22687,7 @@
             </p:txBody>
           </p:sp>
         </mc:Choice>
-        <mc:Fallback>
+        <mc:Fallback xmlns="">
           <p:sp>
             <p:nvSpPr>
               <p:cNvPr id="24" name="ZoneTexte 23">
@@ -22772,8 +22732,8 @@
           </p:sp>
         </mc:Fallback>
       </mc:AlternateContent>
-      <mc:AlternateContent xmlns:mc="http://schemas.openxmlformats.org/markup-compatibility/2006">
-        <mc:Choice xmlns:a14="http://schemas.microsoft.com/office/drawing/2010/main" Requires="a14">
+      <mc:AlternateContent xmlns:mc="http://schemas.openxmlformats.org/markup-compatibility/2006" xmlns:a14="http://schemas.microsoft.com/office/drawing/2010/main">
+        <mc:Choice Requires="a14">
           <p:sp>
             <p:nvSpPr>
               <p:cNvPr id="25" name="ZoneTexte 24">
@@ -22909,7 +22869,7 @@
             </p:txBody>
           </p:sp>
         </mc:Choice>
-        <mc:Fallback>
+        <mc:Fallback xmlns="">
           <p:sp>
             <p:nvSpPr>
               <p:cNvPr id="25" name="ZoneTexte 24">
@@ -22954,8 +22914,8 @@
           </p:sp>
         </mc:Fallback>
       </mc:AlternateContent>
-      <mc:AlternateContent xmlns:mc="http://schemas.openxmlformats.org/markup-compatibility/2006">
-        <mc:Choice xmlns:a14="http://schemas.microsoft.com/office/drawing/2010/main" Requires="a14">
+      <mc:AlternateContent xmlns:mc="http://schemas.openxmlformats.org/markup-compatibility/2006" xmlns:a14="http://schemas.microsoft.com/office/drawing/2010/main">
+        <mc:Choice Requires="a14">
           <p:sp>
             <p:nvSpPr>
               <p:cNvPr id="26" name="ZoneTexte 25">
@@ -23020,13 +22980,7 @@
                         <a:rPr lang="fr-FR" sz="1100" b="0" i="1" smtClean="0">
                           <a:latin typeface="Cambria Math" panose="02040503050406030204" pitchFamily="18" charset="0"/>
                         </a:rPr>
-                        <m:t>=</m:t>
-                      </m:r>
-                      <m:r>
-                        <a:rPr lang="fr-FR" sz="1100" b="0" i="1" smtClean="0">
-                          <a:latin typeface="Cambria Math" panose="02040503050406030204" pitchFamily="18" charset="0"/>
-                        </a:rPr>
-                        <m:t> </m:t>
+                        <m:t>= </m:t>
                       </m:r>
                       <m:f>
                         <m:fPr>
@@ -23091,7 +23045,7 @@
             </p:txBody>
           </p:sp>
         </mc:Choice>
-        <mc:Fallback>
+        <mc:Fallback xmlns="">
           <p:sp>
             <p:nvSpPr>
               <p:cNvPr id="26" name="ZoneTexte 25">
@@ -23418,35 +23372,7 @@
           <a:p>
             <a:r>
               <a:rPr lang="fr-FR"/>
-              <a:t>25/02/2020</a:t>
-            </a:r>
-          </a:p>
-        </p:txBody>
-      </p:sp>
-      <p:sp>
-        <p:nvSpPr>
-          <p:cNvPr id="6" name="Espace réservé du pied de page 5">
-            <a:extLst>
-              <a:ext uri="{FF2B5EF4-FFF2-40B4-BE49-F238E27FC236}">
-                <a16:creationId xmlns:a16="http://schemas.microsoft.com/office/drawing/2014/main" id="{DD1EB144-E253-42C7-AB06-DCBC27144782}"/>
-              </a:ext>
-            </a:extLst>
-          </p:cNvPr>
-          <p:cNvSpPr>
-            <a:spLocks noGrp="1"/>
-          </p:cNvSpPr>
-          <p:nvPr>
-            <p:ph type="ftr" sz="quarter" idx="11"/>
-          </p:nvPr>
-        </p:nvSpPr>
-        <p:spPr/>
-        <p:txBody>
-          <a:bodyPr/>
-          <a:lstStyle/>
-          <a:p>
-            <a:r>
-              <a:rPr lang="fr-FR"/>
-              <a:t>Alexandre Dazat - Julien Denize</a:t>
+              <a:t>05/03/2020</a:t>
             </a:r>
             <a:endParaRPr lang="fr-FR" dirty="0"/>
           </a:p>
@@ -23900,35 +23826,7 @@
           <a:p>
             <a:r>
               <a:rPr lang="fr-FR"/>
-              <a:t>25/02/2020</a:t>
-            </a:r>
-          </a:p>
-        </p:txBody>
-      </p:sp>
-      <p:sp>
-        <p:nvSpPr>
-          <p:cNvPr id="6" name="Espace réservé du pied de page 5">
-            <a:extLst>
-              <a:ext uri="{FF2B5EF4-FFF2-40B4-BE49-F238E27FC236}">
-                <a16:creationId xmlns:a16="http://schemas.microsoft.com/office/drawing/2014/main" id="{DD1EB144-E253-42C7-AB06-DCBC27144782}"/>
-              </a:ext>
-            </a:extLst>
-          </p:cNvPr>
-          <p:cNvSpPr>
-            <a:spLocks noGrp="1"/>
-          </p:cNvSpPr>
-          <p:nvPr>
-            <p:ph type="ftr" sz="quarter" idx="11"/>
-          </p:nvPr>
-        </p:nvSpPr>
-        <p:spPr/>
-        <p:txBody>
-          <a:bodyPr/>
-          <a:lstStyle/>
-          <a:p>
-            <a:r>
-              <a:rPr lang="fr-FR"/>
-              <a:t>Alexandre Dazat - Julien Denize</a:t>
+              <a:t>05/03/2020</a:t>
             </a:r>
             <a:endParaRPr lang="fr-FR" dirty="0"/>
           </a:p>
@@ -24189,7 +24087,7 @@
         <p:spPr>
           <a:xfrm>
             <a:off x="625395" y="1543956"/>
-            <a:ext cx="5536643" cy="4247317"/>
+            <a:ext cx="5536643" cy="4524315"/>
           </a:xfrm>
           <a:prstGeom prst="rect">
             <a:avLst/>
@@ -24315,6 +24213,13 @@
             <a:r>
               <a:rPr lang="fr-FR" dirty="0"/>
               <a:t> size : 6 </a:t>
+            </a:r>
+          </a:p>
+          <a:p>
+            <a:pPr algn="ctr"/>
+            <a:r>
+              <a:rPr lang="fr-FR" dirty="0"/>
+              <a:t>Dot agent</a:t>
             </a:r>
           </a:p>
           <a:p>
@@ -24463,35 +24368,7 @@
           <a:p>
             <a:r>
               <a:rPr lang="fr-FR"/>
-              <a:t>25/02/2020</a:t>
-            </a:r>
-          </a:p>
-        </p:txBody>
-      </p:sp>
-      <p:sp>
-        <p:nvSpPr>
-          <p:cNvPr id="6" name="Espace réservé du pied de page 5">
-            <a:extLst>
-              <a:ext uri="{FF2B5EF4-FFF2-40B4-BE49-F238E27FC236}">
-                <a16:creationId xmlns:a16="http://schemas.microsoft.com/office/drawing/2014/main" id="{DD1EB144-E253-42C7-AB06-DCBC27144782}"/>
-              </a:ext>
-            </a:extLst>
-          </p:cNvPr>
-          <p:cNvSpPr>
-            <a:spLocks noGrp="1"/>
-          </p:cNvSpPr>
-          <p:nvPr>
-            <p:ph type="ftr" sz="quarter" idx="11"/>
-          </p:nvPr>
-        </p:nvSpPr>
-        <p:spPr/>
-        <p:txBody>
-          <a:bodyPr/>
-          <a:lstStyle/>
-          <a:p>
-            <a:r>
-              <a:rPr lang="fr-FR"/>
-              <a:t>Alexandre Dazat - Julien Denize</a:t>
+              <a:t>05/03/2020</a:t>
             </a:r>
             <a:endParaRPr lang="fr-FR" dirty="0"/>
           </a:p>
@@ -24822,35 +24699,7 @@
           <a:p>
             <a:r>
               <a:rPr lang="fr-FR"/>
-              <a:t>25/02/2020</a:t>
-            </a:r>
-          </a:p>
-        </p:txBody>
-      </p:sp>
-      <p:sp>
-        <p:nvSpPr>
-          <p:cNvPr id="6" name="Espace réservé du pied de page 5">
-            <a:extLst>
-              <a:ext uri="{FF2B5EF4-FFF2-40B4-BE49-F238E27FC236}">
-                <a16:creationId xmlns:a16="http://schemas.microsoft.com/office/drawing/2014/main" id="{DD1EB144-E253-42C7-AB06-DCBC27144782}"/>
-              </a:ext>
-            </a:extLst>
-          </p:cNvPr>
-          <p:cNvSpPr>
-            <a:spLocks noGrp="1"/>
-          </p:cNvSpPr>
-          <p:nvPr>
-            <p:ph type="ftr" sz="quarter" idx="11"/>
-          </p:nvPr>
-        </p:nvSpPr>
-        <p:spPr/>
-        <p:txBody>
-          <a:bodyPr/>
-          <a:lstStyle/>
-          <a:p>
-            <a:r>
-              <a:rPr lang="fr-FR"/>
-              <a:t>Alexandre Dazat - Julien Denize</a:t>
+              <a:t>05/03/2020</a:t>
             </a:r>
             <a:endParaRPr lang="fr-FR" dirty="0"/>
           </a:p>
